--- a/AMIA_2025_ADRD_ePhenotyping_Presentation.pptx
+++ b/AMIA_2025_ADRD_ePhenotyping_Presentation.pptx
@@ -26,6 +26,7 @@
     <p:sldId id="274" r:id="rId25"/>
     <p:sldId id="275" r:id="rId26"/>
     <p:sldId id="276" r:id="rId27"/>
+    <p:sldId id="277" r:id="rId28"/>
   </p:sldIdLst>
   <p:sldSz cx="9144000" cy="6858000" type="screen4x3"/>
   <p:notesSz cx="6858000" cy="9144000"/>
@@ -3216,6 +3217,114 @@
               </a:defRPr>
             </a:pPr>
             <a:r>
+              <a:t>Results: Receiver Operating Characteristic (ROC) Curve</a:t>
+            </a:r>
+          </a:p>
+        </p:txBody>
+      </p:sp>
+      <p:pic>
+        <p:nvPicPr>
+          <p:cNvPr id="3" name="Picture 2" descr="AUC_CNNr.png"/>
+          <p:cNvPicPr>
+            <a:picLocks noChangeAspect="1"/>
+          </p:cNvPicPr>
+          <p:nvPr/>
+        </p:nvPicPr>
+        <p:blipFill>
+          <a:blip r:embed="rId2"/>
+          <a:stretch>
+            <a:fillRect/>
+          </a:stretch>
+        </p:blipFill>
+        <p:spPr>
+          <a:xfrm>
+            <a:off x="1371600" y="1371600"/>
+            <a:ext cx="6400800" cy="6400800"/>
+          </a:xfrm>
+          <a:prstGeom prst="rect">
+            <a:avLst/>
+          </a:prstGeom>
+        </p:spPr>
+      </p:pic>
+      <p:sp>
+        <p:nvSpPr>
+          <p:cNvPr id="4" name="TextBox 3"/>
+          <p:cNvSpPr txBox="1"/>
+          <p:nvPr/>
+        </p:nvSpPr>
+        <p:spPr>
+          <a:xfrm>
+            <a:off x="457200" y="5943600"/>
+            <a:ext cx="8229600" cy="731520"/>
+          </a:xfrm>
+          <a:prstGeom prst="rect">
+            <a:avLst/>
+          </a:prstGeom>
+          <a:noFill/>
+        </p:spPr>
+        <p:txBody>
+          <a:bodyPr wrap="none">
+            <a:spAutoFit/>
+          </a:bodyPr>
+          <a:lstStyle/>
+          <a:p>
+            <a:pPr algn="ctr">
+              <a:defRPr sz="1400" i="1"/>
+            </a:pPr>
+            <a:r>
+              <a:t>Figure 1: ROC curves across 10 model cycles showing consistently high AUC (&gt;0.985)</a:t>
+            </a:r>
+          </a:p>
+        </p:txBody>
+      </p:sp>
+    </p:spTree>
+  </p:cSld>
+  <p:clrMapOvr>
+    <a:masterClrMapping/>
+  </p:clrMapOvr>
+</p:sld>
+</file>
+
+<file path=ppt/slides/slide11.xml><?xml version="1.0" encoding="utf-8"?>
+<p:sld xmlns:a="http://schemas.openxmlformats.org/drawingml/2006/main" xmlns:p="http://schemas.openxmlformats.org/presentationml/2006/main" xmlns:r="http://schemas.openxmlformats.org/officeDocument/2006/relationships">
+  <p:cSld>
+    <p:spTree>
+      <p:nvGrpSpPr>
+        <p:cNvPr id="1" name=""/>
+        <p:cNvGrpSpPr/>
+        <p:nvPr/>
+      </p:nvGrpSpPr>
+      <p:grpSpPr/>
+      <p:sp>
+        <p:nvSpPr>
+          <p:cNvPr id="2" name="TextBox 1"/>
+          <p:cNvSpPr txBox="1"/>
+          <p:nvPr/>
+        </p:nvSpPr>
+        <p:spPr>
+          <a:xfrm>
+            <a:off x="457200" y="274320"/>
+            <a:ext cx="8229600" cy="731520"/>
+          </a:xfrm>
+          <a:prstGeom prst="rect">
+            <a:avLst/>
+          </a:prstGeom>
+          <a:noFill/>
+        </p:spPr>
+        <p:txBody>
+          <a:bodyPr wrap="none">
+            <a:spAutoFit/>
+          </a:bodyPr>
+          <a:lstStyle/>
+          <a:p>
+            <a:pPr algn="ctr">
+              <a:defRPr sz="3200" b="1">
+                <a:solidFill>
+                  <a:srgbClr val="003366"/>
+                </a:solidFill>
+              </a:defRPr>
+            </a:pPr>
+            <a:r>
               <a:t>Results: Confusion Matrix</a:t>
             </a:r>
           </a:p>
@@ -3284,7 +3393,7 @@
 </p:sld>
 </file>
 
-<file path=ppt/slides/slide11.xml><?xml version="1.0" encoding="utf-8"?>
+<file path=ppt/slides/slide12.xml><?xml version="1.0" encoding="utf-8"?>
 <p:sld xmlns:a="http://schemas.openxmlformats.org/drawingml/2006/main" xmlns:p="http://schemas.openxmlformats.org/presentationml/2006/main" xmlns:r="http://schemas.openxmlformats.org/officeDocument/2006/relationships">
   <p:cSld>
     <p:spTree>
@@ -3392,7 +3501,7 @@
 </p:sld>
 </file>
 
-<file path=ppt/slides/slide12.xml><?xml version="1.0" encoding="utf-8"?>
+<file path=ppt/slides/slide13.xml><?xml version="1.0" encoding="utf-8"?>
 <p:sld xmlns:a="http://schemas.openxmlformats.org/drawingml/2006/main" xmlns:p="http://schemas.openxmlformats.org/presentationml/2006/main" xmlns:r="http://schemas.openxmlformats.org/officeDocument/2006/relationships">
   <p:cSld>
     <p:spTree>
@@ -3425,7 +3534,7 @@
               </a:defRPr>
             </a:pPr>
             <a:r>
-              <a:t>Results: Demographic Fairness Analysis</a:t>
+              <a:t>Results: Demographic Fairness Analysis (Aim 1)</a:t>
             </a:r>
           </a:p>
         </p:txBody>
@@ -3631,7 +3740,7 @@
 </p:sld>
 </file>
 
-<file path=ppt/slides/slide13.xml><?xml version="1.0" encoding="utf-8"?>
+<file path=ppt/slides/slide14.xml><?xml version="1.0" encoding="utf-8"?>
 <p:sld xmlns:a="http://schemas.openxmlformats.org/drawingml/2006/main" xmlns:p="http://schemas.openxmlformats.org/presentationml/2006/main" xmlns:r="http://schemas.openxmlformats.org/officeDocument/2006/relationships">
   <p:cSld>
     <p:spTree>
@@ -3739,7 +3848,7 @@
 </p:sld>
 </file>
 
-<file path=ppt/slides/slide14.xml><?xml version="1.0" encoding="utf-8"?>
+<file path=ppt/slides/slide15.xml><?xml version="1.0" encoding="utf-8"?>
 <p:sld xmlns:a="http://schemas.openxmlformats.org/drawingml/2006/main" xmlns:p="http://schemas.openxmlformats.org/presentationml/2006/main" xmlns:r="http://schemas.openxmlformats.org/officeDocument/2006/relationships">
   <p:cSld>
     <p:spTree>
@@ -3847,206 +3956,6 @@
 </p:sld>
 </file>
 
-<file path=ppt/slides/slide15.xml><?xml version="1.0" encoding="utf-8"?>
-<p:sld xmlns:a="http://schemas.openxmlformats.org/drawingml/2006/main" xmlns:p="http://schemas.openxmlformats.org/presentationml/2006/main" xmlns:r="http://schemas.openxmlformats.org/officeDocument/2006/relationships">
-  <p:cSld>
-    <p:spTree>
-      <p:nvGrpSpPr>
-        <p:cNvPr id="1" name=""/>
-        <p:cNvGrpSpPr/>
-        <p:nvPr/>
-      </p:nvGrpSpPr>
-      <p:grpSpPr/>
-      <p:sp>
-        <p:nvSpPr>
-          <p:cNvPr id="2" name="Title 1"/>
-          <p:cNvSpPr>
-            <a:spLocks noGrp="1"/>
-          </p:cNvSpPr>
-          <p:nvPr>
-            <p:ph type="title"/>
-          </p:nvPr>
-        </p:nvSpPr>
-        <p:spPr/>
-        <p:txBody>
-          <a:bodyPr/>
-          <a:lstStyle/>
-          <a:p>
-            <a:pPr>
-              <a:defRPr sz="3200" b="1">
-                <a:solidFill>
-                  <a:srgbClr val="003366"/>
-                </a:solidFill>
-              </a:defRPr>
-            </a:pPr>
-            <a:r>
-              <a:t>Results: Discriminative Clinical Features (Aim 2)</a:t>
-            </a:r>
-          </a:p>
-        </p:txBody>
-      </p:sp>
-      <p:sp>
-        <p:nvSpPr>
-          <p:cNvPr id="3" name="Content Placeholder 2"/>
-          <p:cNvSpPr>
-            <a:spLocks noGrp="1"/>
-          </p:cNvSpPr>
-          <p:nvPr>
-            <p:ph idx="1"/>
-          </p:nvPr>
-        </p:nvSpPr>
-        <p:spPr/>
-        <p:txBody>
-          <a:bodyPr/>
-          <a:lstStyle/>
-          <a:p/>
-          <a:p>
-            <a:pPr>
-              <a:spcBef>
-                <a:spcPts val="600"/>
-              </a:spcBef>
-              <a:spcAft>
-                <a:spcPts val="600"/>
-              </a:spcAft>
-              <a:defRPr sz="1800"/>
-            </a:pPr>
-            <a:r>
-              <a:t>Top ADRD-Associated Terms (χ² test, FDR&lt;0.05):</a:t>
-            </a:r>
-          </a:p>
-          <a:p>
-            <a:pPr>
-              <a:spcBef>
-                <a:spcPts val="600"/>
-              </a:spcBef>
-              <a:spcAft>
-                <a:spcPts val="600"/>
-              </a:spcAft>
-              <a:defRPr sz="1800"/>
-            </a:pPr>
-            <a:r>
-              <a:t>   • 'goal' (χ²=4,596), 'outcome' (χ²=4,377)</a:t>
-            </a:r>
-          </a:p>
-          <a:p>
-            <a:pPr>
-              <a:spcBef>
-                <a:spcPts val="600"/>
-              </a:spcBef>
-              <a:spcAft>
-                <a:spcPts val="600"/>
-              </a:spcAft>
-              <a:defRPr sz="1800"/>
-            </a:pPr>
-            <a:r>
-              <a:t>   • 'ongoing' (χ²=3,696), 'progressing' (χ²=2,738)</a:t>
-            </a:r>
-          </a:p>
-          <a:p>
-            <a:pPr>
-              <a:spcBef>
-                <a:spcPts val="600"/>
-              </a:spcBef>
-              <a:spcAft>
-                <a:spcPts val="600"/>
-              </a:spcAft>
-              <a:defRPr sz="1800"/>
-            </a:pPr>
-            <a:r>
-              <a:t>   • 'dementia' (χ²=1,850), 'admission' (χ²=1,830)</a:t>
-            </a:r>
-          </a:p>
-          <a:p>
-            <a:pPr>
-              <a:spcBef>
-                <a:spcPts val="600"/>
-              </a:spcBef>
-              <a:spcAft>
-                <a:spcPts val="600"/>
-              </a:spcAft>
-              <a:defRPr sz="1800"/>
-            </a:pPr>
-            <a:r>
-              <a:t>   • 'care' (χ²=1,708), 'acute' (χ²=1,661)</a:t>
-            </a:r>
-          </a:p>
-          <a:p>
-            <a:pPr>
-              <a:spcBef>
-                <a:spcPts val="600"/>
-              </a:spcBef>
-              <a:spcAft>
-                <a:spcPts val="600"/>
-              </a:spcAft>
-              <a:defRPr sz="1800"/>
-            </a:pPr>
-          </a:p>
-          <a:p>
-            <a:pPr>
-              <a:spcBef>
-                <a:spcPts val="600"/>
-              </a:spcBef>
-              <a:spcAft>
-                <a:spcPts val="600"/>
-              </a:spcAft>
-              <a:defRPr sz="1800"/>
-            </a:pPr>
-            <a:r>
-              <a:t>Clinical Interpretation:</a:t>
-            </a:r>
-          </a:p>
-          <a:p>
-            <a:pPr>
-              <a:spcBef>
-                <a:spcPts val="600"/>
-              </a:spcBef>
-              <a:spcAft>
-                <a:spcPts val="600"/>
-              </a:spcAft>
-              <a:defRPr sz="1800"/>
-            </a:pPr>
-            <a:r>
-              <a:t>   • Language reflects care planning and disease management</a:t>
-            </a:r>
-          </a:p>
-          <a:p>
-            <a:pPr>
-              <a:spcBef>
-                <a:spcPts val="600"/>
-              </a:spcBef>
-              <a:spcAft>
-                <a:spcPts val="600"/>
-              </a:spcAft>
-              <a:defRPr sz="1800"/>
-            </a:pPr>
-            <a:r>
-              <a:t>   • Terms align with known ADRD clinical documentation patterns</a:t>
-            </a:r>
-          </a:p>
-          <a:p>
-            <a:pPr>
-              <a:spcBef>
-                <a:spcPts val="600"/>
-              </a:spcBef>
-              <a:spcAft>
-                <a:spcPts val="600"/>
-              </a:spcAft>
-              <a:defRPr sz="1800"/>
-            </a:pPr>
-            <a:r>
-              <a:t>   • Consistent across demographic subgroups (70-90% overlap)</a:t>
-            </a:r>
-          </a:p>
-        </p:txBody>
-      </p:sp>
-    </p:spTree>
-  </p:cSld>
-  <p:clrMapOvr>
-    <a:masterClrMapping/>
-  </p:clrMapOvr>
-</p:sld>
-</file>
-
 <file path=ppt/slides/slide16.xml><?xml version="1.0" encoding="utf-8"?>
 <p:sld xmlns:a="http://schemas.openxmlformats.org/drawingml/2006/main" xmlns:p="http://schemas.openxmlformats.org/presentationml/2006/main" xmlns:r="http://schemas.openxmlformats.org/officeDocument/2006/relationships">
   <p:cSld>
@@ -4080,7 +3989,7 @@
               </a:defRPr>
             </a:pPr>
             <a:r>
-              <a:t>Results: TF-IDF Feature Importance</a:t>
+              <a:t>Results: Discriminative Clinical Features (Aim 2)</a:t>
             </a:r>
           </a:p>
         </p:txBody>
@@ -4111,155 +4020,130 @@
               <a:defRPr sz="1800"/>
             </a:pPr>
             <a:r>
-              <a:t>Top TF-IDF Terms for ADRD (clinically relevant):</a:t>
-            </a:r>
-          </a:p>
-          <a:p>
-            <a:pPr>
-              <a:spcBef>
-                <a:spcPts val="600"/>
-              </a:spcBef>
-              <a:spcAft>
-                <a:spcPts val="600"/>
-              </a:spcAft>
-              <a:defRPr sz="1800"/>
-            </a:pPr>
-            <a:r>
-              <a:t>   • High specificity terms: 'dementia', 'cognitive', 'impaired'</a:t>
-            </a:r>
-          </a:p>
-          <a:p>
-            <a:pPr>
-              <a:spcBef>
-                <a:spcPts val="600"/>
-              </a:spcBef>
-              <a:spcAft>
-                <a:spcPts val="600"/>
-              </a:spcAft>
-              <a:defRPr sz="1800"/>
-            </a:pPr>
-            <a:r>
-              <a:t>   • Care-related: 'discharge', 'admission', 'inpatient'</a:t>
-            </a:r>
-          </a:p>
-          <a:p>
-            <a:pPr>
-              <a:spcBef>
-                <a:spcPts val="600"/>
-              </a:spcBef>
-              <a:spcAft>
-                <a:spcPts val="600"/>
-              </a:spcAft>
-              <a:defRPr sz="1800"/>
-            </a:pPr>
-            <a:r>
-              <a:t>   • Clinical processes: 'goal', 'outcome', 'ongoing'</a:t>
-            </a:r>
-          </a:p>
-          <a:p>
-            <a:pPr>
-              <a:spcBef>
-                <a:spcPts val="600"/>
-              </a:spcBef>
-              <a:spcAft>
-                <a:spcPts val="600"/>
-              </a:spcAft>
-              <a:defRPr sz="1800"/>
-            </a:pPr>
-          </a:p>
-          <a:p>
-            <a:pPr>
-              <a:spcBef>
-                <a:spcPts val="600"/>
-              </a:spcBef>
-              <a:spcAft>
-                <a:spcPts val="600"/>
-              </a:spcAft>
-              <a:defRPr sz="1800"/>
-            </a:pPr>
-            <a:r>
-              <a:t>Demographic Variations:</a:t>
-            </a:r>
-          </a:p>
-          <a:p>
-            <a:pPr>
-              <a:spcBef>
-                <a:spcPts val="600"/>
-              </a:spcBef>
-              <a:spcAft>
-                <a:spcPts val="600"/>
-              </a:spcAft>
-              <a:defRPr sz="1800"/>
-            </a:pPr>
-            <a:r>
-              <a:t>   • Female patients: Emphasis on 'care', 'assessment'</a:t>
-            </a:r>
-          </a:p>
-          <a:p>
-            <a:pPr>
-              <a:spcBef>
-                <a:spcPts val="600"/>
-              </a:spcBef>
-              <a:spcAft>
-                <a:spcPts val="600"/>
-              </a:spcAft>
-              <a:defRPr sz="1800"/>
-            </a:pPr>
-            <a:r>
-              <a:t>   • Male patients: Focus on 'acute', 'admission'</a:t>
-            </a:r>
-          </a:p>
-          <a:p>
-            <a:pPr>
-              <a:spcBef>
-                <a:spcPts val="600"/>
-              </a:spcBef>
-              <a:spcAft>
-                <a:spcPts val="600"/>
-              </a:spcAft>
-              <a:defRPr sz="1800"/>
-            </a:pPr>
-            <a:r>
-              <a:t>   • Black patients: Higher use of 'goal', 'care planning'</a:t>
-            </a:r>
-          </a:p>
-          <a:p>
-            <a:pPr>
-              <a:spcBef>
-                <a:spcPts val="600"/>
-              </a:spcBef>
-              <a:spcAft>
-                <a:spcPts val="600"/>
-              </a:spcAft>
-              <a:defRPr sz="1800"/>
-            </a:pPr>
-            <a:r>
-              <a:t>   • White patients: More 'procedure', 'discharge' terms</a:t>
-            </a:r>
-          </a:p>
-          <a:p>
-            <a:pPr>
-              <a:spcBef>
-                <a:spcPts val="600"/>
-              </a:spcBef>
-              <a:spcAft>
-                <a:spcPts val="600"/>
-              </a:spcAft>
-              <a:defRPr sz="1800"/>
-            </a:pPr>
-          </a:p>
-          <a:p>
-            <a:pPr>
-              <a:spcBef>
-                <a:spcPts val="600"/>
-              </a:spcBef>
-              <a:spcAft>
-                <a:spcPts val="600"/>
-              </a:spcAft>
-              <a:defRPr sz="1800"/>
-            </a:pPr>
-            <a:r>
-              <a:t>Finding: Feature patterns differ but performance remains equitable</a:t>
+              <a:t>Top ADRD-Associated Terms (χ² test, FDR&lt;0.05):</a:t>
+            </a:r>
+          </a:p>
+          <a:p>
+            <a:pPr>
+              <a:spcBef>
+                <a:spcPts val="600"/>
+              </a:spcBef>
+              <a:spcAft>
+                <a:spcPts val="600"/>
+              </a:spcAft>
+              <a:defRPr sz="1800"/>
+            </a:pPr>
+            <a:r>
+              <a:t>   • 'goal' (χ²=4,596), 'outcome' (χ²=4,377)</a:t>
+            </a:r>
+          </a:p>
+          <a:p>
+            <a:pPr>
+              <a:spcBef>
+                <a:spcPts val="600"/>
+              </a:spcBef>
+              <a:spcAft>
+                <a:spcPts val="600"/>
+              </a:spcAft>
+              <a:defRPr sz="1800"/>
+            </a:pPr>
+            <a:r>
+              <a:t>   • 'ongoing' (χ²=3,696), 'progressing' (χ²=2,738)</a:t>
+            </a:r>
+          </a:p>
+          <a:p>
+            <a:pPr>
+              <a:spcBef>
+                <a:spcPts val="600"/>
+              </a:spcBef>
+              <a:spcAft>
+                <a:spcPts val="600"/>
+              </a:spcAft>
+              <a:defRPr sz="1800"/>
+            </a:pPr>
+            <a:r>
+              <a:t>   • 'dementia' (χ²=1,850), 'admission' (χ²=1,830)</a:t>
+            </a:r>
+          </a:p>
+          <a:p>
+            <a:pPr>
+              <a:spcBef>
+                <a:spcPts val="600"/>
+              </a:spcBef>
+              <a:spcAft>
+                <a:spcPts val="600"/>
+              </a:spcAft>
+              <a:defRPr sz="1800"/>
+            </a:pPr>
+            <a:r>
+              <a:t>   • 'care' (χ²=1,708), 'acute' (χ²=1,661)</a:t>
+            </a:r>
+          </a:p>
+          <a:p>
+            <a:pPr>
+              <a:spcBef>
+                <a:spcPts val="600"/>
+              </a:spcBef>
+              <a:spcAft>
+                <a:spcPts val="600"/>
+              </a:spcAft>
+              <a:defRPr sz="1800"/>
+            </a:pPr>
+          </a:p>
+          <a:p>
+            <a:pPr>
+              <a:spcBef>
+                <a:spcPts val="600"/>
+              </a:spcBef>
+              <a:spcAft>
+                <a:spcPts val="600"/>
+              </a:spcAft>
+              <a:defRPr sz="1800"/>
+            </a:pPr>
+            <a:r>
+              <a:t>Clinical Interpretation:</a:t>
+            </a:r>
+          </a:p>
+          <a:p>
+            <a:pPr>
+              <a:spcBef>
+                <a:spcPts val="600"/>
+              </a:spcBef>
+              <a:spcAft>
+                <a:spcPts val="600"/>
+              </a:spcAft>
+              <a:defRPr sz="1800"/>
+            </a:pPr>
+            <a:r>
+              <a:t>   • Language reflects care planning and disease management</a:t>
+            </a:r>
+          </a:p>
+          <a:p>
+            <a:pPr>
+              <a:spcBef>
+                <a:spcPts val="600"/>
+              </a:spcBef>
+              <a:spcAft>
+                <a:spcPts val="600"/>
+              </a:spcAft>
+              <a:defRPr sz="1800"/>
+            </a:pPr>
+            <a:r>
+              <a:t>   • Terms align with known ADRD clinical documentation patterns</a:t>
+            </a:r>
+          </a:p>
+          <a:p>
+            <a:pPr>
+              <a:spcBef>
+                <a:spcPts val="600"/>
+              </a:spcBef>
+              <a:spcAft>
+                <a:spcPts val="600"/>
+              </a:spcAft>
+              <a:defRPr sz="1800"/>
+            </a:pPr>
+            <a:r>
+              <a:t>   • Consistent across demographic subgroups (70-90% overlap)</a:t>
             </a:r>
           </a:p>
         </p:txBody>
@@ -4305,7 +4189,7 @@
               </a:defRPr>
             </a:pPr>
             <a:r>
-              <a:t>Discussion: Key Findings</a:t>
+              <a:t>Results: TF-IDF Feature Importance (Aim 2)</a:t>
             </a:r>
           </a:p>
         </p:txBody>
@@ -4336,169 +4220,155 @@
               <a:defRPr sz="1800"/>
             </a:pPr>
             <a:r>
-              <a:t>1. Exceptional Performance:</a:t>
-            </a:r>
-          </a:p>
-          <a:p>
-            <a:pPr>
-              <a:spcBef>
-                <a:spcPts val="600"/>
-              </a:spcBef>
-              <a:spcAft>
-                <a:spcPts val="600"/>
-              </a:spcAft>
-              <a:defRPr sz="1800"/>
-            </a:pPr>
-            <a:r>
-              <a:t>   • AUC=0.987 exceeds published benchmarks (0.92-0.95)</a:t>
-            </a:r>
-          </a:p>
-          <a:p>
-            <a:pPr>
-              <a:spcBef>
-                <a:spcPts val="600"/>
-              </a:spcBef>
-              <a:spcAft>
-                <a:spcPts val="600"/>
-              </a:spcAft>
-              <a:defRPr sz="1800"/>
-            </a:pPr>
-            <a:r>
-              <a:t>   • Outperforms traditional ML methods (SVM, Random Forest)</a:t>
-            </a:r>
-          </a:p>
-          <a:p>
-            <a:pPr>
-              <a:spcBef>
-                <a:spcPts val="600"/>
-              </a:spcBef>
-              <a:spcAft>
-                <a:spcPts val="600"/>
-              </a:spcAft>
-              <a:defRPr sz="1800"/>
-            </a:pPr>
-          </a:p>
-          <a:p>
-            <a:pPr>
-              <a:spcBef>
-                <a:spcPts val="600"/>
-              </a:spcBef>
-              <a:spcAft>
-                <a:spcPts val="600"/>
-              </a:spcAft>
-              <a:defRPr sz="1800"/>
-            </a:pPr>
-            <a:r>
-              <a:t>2. Algorithmic Fairness Achieved:</a:t>
-            </a:r>
-          </a:p>
-          <a:p>
-            <a:pPr>
-              <a:spcBef>
-                <a:spcPts val="600"/>
-              </a:spcBef>
-              <a:spcAft>
-                <a:spcPts val="600"/>
-              </a:spcAft>
-              <a:defRPr sz="1800"/>
-            </a:pPr>
-            <a:r>
-              <a:t>   • No significant disparities across gender, race, ethnicity</a:t>
-            </a:r>
-          </a:p>
-          <a:p>
-            <a:pPr>
-              <a:spcBef>
-                <a:spcPts val="600"/>
-              </a:spcBef>
-              <a:spcAft>
-                <a:spcPts val="600"/>
-              </a:spcAft>
-              <a:defRPr sz="1800"/>
-            </a:pPr>
-            <a:r>
-              <a:t>   • Performance variance within clinically acceptable ranges</a:t>
-            </a:r>
-          </a:p>
-          <a:p>
-            <a:pPr>
-              <a:spcBef>
-                <a:spcPts val="600"/>
-              </a:spcBef>
-              <a:spcAft>
-                <a:spcPts val="600"/>
-              </a:spcAft>
-              <a:defRPr sz="1800"/>
-            </a:pPr>
-            <a:r>
-              <a:t>   • Intersectional analysis confirms equitable outcomes</a:t>
-            </a:r>
-          </a:p>
-          <a:p>
-            <a:pPr>
-              <a:spcBef>
-                <a:spcPts val="600"/>
-              </a:spcBef>
-              <a:spcAft>
-                <a:spcPts val="600"/>
-              </a:spcAft>
-              <a:defRPr sz="1800"/>
-            </a:pPr>
-          </a:p>
-          <a:p>
-            <a:pPr>
-              <a:spcBef>
-                <a:spcPts val="600"/>
-              </a:spcBef>
-              <a:spcAft>
-                <a:spcPts val="600"/>
-              </a:spcAft>
-              <a:defRPr sz="1800"/>
-            </a:pPr>
-            <a:r>
-              <a:t>3. Interpretable Features:</a:t>
-            </a:r>
-          </a:p>
-          <a:p>
-            <a:pPr>
-              <a:spcBef>
-                <a:spcPts val="600"/>
-              </a:spcBef>
-              <a:spcAft>
-                <a:spcPts val="600"/>
-              </a:spcAft>
-              <a:defRPr sz="1800"/>
-            </a:pPr>
-            <a:r>
-              <a:t>   • Discriminative terms align with clinical knowledge</a:t>
-            </a:r>
-          </a:p>
-          <a:p>
-            <a:pPr>
-              <a:spcBef>
-                <a:spcPts val="600"/>
-              </a:spcBef>
-              <a:spcAft>
-                <a:spcPts val="600"/>
-              </a:spcAft>
-              <a:defRPr sz="1800"/>
-            </a:pPr>
-            <a:r>
-              <a:t>   • Feature patterns consistent across demographics</a:t>
-            </a:r>
-          </a:p>
-          <a:p>
-            <a:pPr>
-              <a:spcBef>
-                <a:spcPts val="600"/>
-              </a:spcBef>
-              <a:spcAft>
-                <a:spcPts val="600"/>
-              </a:spcAft>
-              <a:defRPr sz="1800"/>
-            </a:pPr>
-            <a:r>
-              <a:t>   • Model captures meaningful clinical language</a:t>
+              <a:t>Top TF-IDF Terms for ADRD (clinically relevant):</a:t>
+            </a:r>
+          </a:p>
+          <a:p>
+            <a:pPr>
+              <a:spcBef>
+                <a:spcPts val="600"/>
+              </a:spcBef>
+              <a:spcAft>
+                <a:spcPts val="600"/>
+              </a:spcAft>
+              <a:defRPr sz="1800"/>
+            </a:pPr>
+            <a:r>
+              <a:t>   • High specificity terms: 'dementia', 'cognitive', 'impaired'</a:t>
+            </a:r>
+          </a:p>
+          <a:p>
+            <a:pPr>
+              <a:spcBef>
+                <a:spcPts val="600"/>
+              </a:spcBef>
+              <a:spcAft>
+                <a:spcPts val="600"/>
+              </a:spcAft>
+              <a:defRPr sz="1800"/>
+            </a:pPr>
+            <a:r>
+              <a:t>   • Care-related: 'discharge', 'admission', 'inpatient'</a:t>
+            </a:r>
+          </a:p>
+          <a:p>
+            <a:pPr>
+              <a:spcBef>
+                <a:spcPts val="600"/>
+              </a:spcBef>
+              <a:spcAft>
+                <a:spcPts val="600"/>
+              </a:spcAft>
+              <a:defRPr sz="1800"/>
+            </a:pPr>
+            <a:r>
+              <a:t>   • Clinical processes: 'goal', 'outcome', 'ongoing'</a:t>
+            </a:r>
+          </a:p>
+          <a:p>
+            <a:pPr>
+              <a:spcBef>
+                <a:spcPts val="600"/>
+              </a:spcBef>
+              <a:spcAft>
+                <a:spcPts val="600"/>
+              </a:spcAft>
+              <a:defRPr sz="1800"/>
+            </a:pPr>
+          </a:p>
+          <a:p>
+            <a:pPr>
+              <a:spcBef>
+                <a:spcPts val="600"/>
+              </a:spcBef>
+              <a:spcAft>
+                <a:spcPts val="600"/>
+              </a:spcAft>
+              <a:defRPr sz="1800"/>
+            </a:pPr>
+            <a:r>
+              <a:t>Demographic Variations:</a:t>
+            </a:r>
+          </a:p>
+          <a:p>
+            <a:pPr>
+              <a:spcBef>
+                <a:spcPts val="600"/>
+              </a:spcBef>
+              <a:spcAft>
+                <a:spcPts val="600"/>
+              </a:spcAft>
+              <a:defRPr sz="1800"/>
+            </a:pPr>
+            <a:r>
+              <a:t>   • Female patients: Emphasis on 'care', 'assessment'</a:t>
+            </a:r>
+          </a:p>
+          <a:p>
+            <a:pPr>
+              <a:spcBef>
+                <a:spcPts val="600"/>
+              </a:spcBef>
+              <a:spcAft>
+                <a:spcPts val="600"/>
+              </a:spcAft>
+              <a:defRPr sz="1800"/>
+            </a:pPr>
+            <a:r>
+              <a:t>   • Male patients: Focus on 'acute', 'admission'</a:t>
+            </a:r>
+          </a:p>
+          <a:p>
+            <a:pPr>
+              <a:spcBef>
+                <a:spcPts val="600"/>
+              </a:spcBef>
+              <a:spcAft>
+                <a:spcPts val="600"/>
+              </a:spcAft>
+              <a:defRPr sz="1800"/>
+            </a:pPr>
+            <a:r>
+              <a:t>   • Black patients: Higher use of 'goal', 'care planning'</a:t>
+            </a:r>
+          </a:p>
+          <a:p>
+            <a:pPr>
+              <a:spcBef>
+                <a:spcPts val="600"/>
+              </a:spcBef>
+              <a:spcAft>
+                <a:spcPts val="600"/>
+              </a:spcAft>
+              <a:defRPr sz="1800"/>
+            </a:pPr>
+            <a:r>
+              <a:t>   • White patients: More 'procedure', 'discharge' terms</a:t>
+            </a:r>
+          </a:p>
+          <a:p>
+            <a:pPr>
+              <a:spcBef>
+                <a:spcPts val="600"/>
+              </a:spcBef>
+              <a:spcAft>
+                <a:spcPts val="600"/>
+              </a:spcAft>
+              <a:defRPr sz="1800"/>
+            </a:pPr>
+          </a:p>
+          <a:p>
+            <a:pPr>
+              <a:spcBef>
+                <a:spcPts val="600"/>
+              </a:spcBef>
+              <a:spcAft>
+                <a:spcPts val="600"/>
+              </a:spcAft>
+              <a:defRPr sz="1800"/>
+            </a:pPr>
+            <a:r>
+              <a:t>Finding: Feature patterns differ but performance remains equitable</a:t>
             </a:r>
           </a:p>
         </p:txBody>
@@ -4544,7 +4414,7 @@
               </a:defRPr>
             </a:pPr>
             <a:r>
-              <a:t>Discussion: Clinical Implications</a:t>
+              <a:t>Discussion: Key Findings</a:t>
             </a:r>
           </a:p>
         </p:txBody>
@@ -4575,211 +4445,197 @@
               <a:defRPr sz="1800"/>
             </a:pPr>
             <a:r>
-              <a:t>Potential Applications:</a:t>
-            </a:r>
-          </a:p>
-          <a:p>
-            <a:pPr>
-              <a:spcBef>
-                <a:spcPts val="600"/>
-              </a:spcBef>
-              <a:spcAft>
-                <a:spcPts val="600"/>
-              </a:spcAft>
-              <a:defRPr sz="1800"/>
-            </a:pPr>
-            <a:r>
-              <a:t>   • Automated ADRD screening in large patient populations</a:t>
-            </a:r>
-          </a:p>
-          <a:p>
-            <a:pPr>
-              <a:spcBef>
-                <a:spcPts val="600"/>
-              </a:spcBef>
-              <a:spcAft>
-                <a:spcPts val="600"/>
-              </a:spcAft>
-              <a:defRPr sz="1800"/>
-            </a:pPr>
-            <a:r>
-              <a:t>   • Early detection support for clinicians</a:t>
-            </a:r>
-          </a:p>
-          <a:p>
-            <a:pPr>
-              <a:spcBef>
-                <a:spcPts val="600"/>
-              </a:spcBef>
-              <a:spcAft>
-                <a:spcPts val="600"/>
-              </a:spcAft>
-              <a:defRPr sz="1800"/>
-            </a:pPr>
-            <a:r>
-              <a:t>   • Risk stratification for preventive interventions</a:t>
-            </a:r>
-          </a:p>
-          <a:p>
-            <a:pPr>
-              <a:spcBef>
-                <a:spcPts val="600"/>
-              </a:spcBef>
-              <a:spcAft>
-                <a:spcPts val="600"/>
-              </a:spcAft>
-              <a:defRPr sz="1800"/>
-            </a:pPr>
-            <a:r>
-              <a:t>   • Reduction of manual chart review burden</a:t>
-            </a:r>
-          </a:p>
-          <a:p>
-            <a:pPr>
-              <a:spcBef>
-                <a:spcPts val="600"/>
-              </a:spcBef>
-              <a:spcAft>
-                <a:spcPts val="600"/>
-              </a:spcAft>
-              <a:defRPr sz="1800"/>
-            </a:pPr>
-          </a:p>
-          <a:p>
-            <a:pPr>
-              <a:spcBef>
-                <a:spcPts val="600"/>
-              </a:spcBef>
-              <a:spcAft>
-                <a:spcPts val="600"/>
-              </a:spcAft>
-              <a:defRPr sz="1800"/>
-            </a:pPr>
-            <a:r>
-              <a:t>Implementation Considerations:</a:t>
-            </a:r>
-          </a:p>
-          <a:p>
-            <a:pPr>
-              <a:spcBef>
-                <a:spcPts val="600"/>
-              </a:spcBef>
-              <a:spcAft>
-                <a:spcPts val="600"/>
-              </a:spcAft>
-              <a:defRPr sz="1800"/>
-            </a:pPr>
-            <a:r>
-              <a:t>   • Integration with EHR systems</a:t>
-            </a:r>
-          </a:p>
-          <a:p>
-            <a:pPr>
-              <a:spcBef>
-                <a:spcPts val="600"/>
-              </a:spcBef>
-              <a:spcAft>
-                <a:spcPts val="600"/>
-              </a:spcAft>
-              <a:defRPr sz="1800"/>
-            </a:pPr>
-            <a:r>
-              <a:t>   • Real-time prediction at point of care</a:t>
-            </a:r>
-          </a:p>
-          <a:p>
-            <a:pPr>
-              <a:spcBef>
-                <a:spcPts val="600"/>
-              </a:spcBef>
-              <a:spcAft>
-                <a:spcPts val="600"/>
-              </a:spcAft>
-              <a:defRPr sz="1800"/>
-            </a:pPr>
-            <a:r>
-              <a:t>   • Clinician-in-the-loop validation</a:t>
-            </a:r>
-          </a:p>
-          <a:p>
-            <a:pPr>
-              <a:spcBef>
-                <a:spcPts val="600"/>
-              </a:spcBef>
-              <a:spcAft>
-                <a:spcPts val="600"/>
-              </a:spcAft>
-              <a:defRPr sz="1800"/>
-            </a:pPr>
-            <a:r>
-              <a:t>   • Continuous monitoring for model drift</a:t>
-            </a:r>
-          </a:p>
-          <a:p>
-            <a:pPr>
-              <a:spcBef>
-                <a:spcPts val="600"/>
-              </a:spcBef>
-              <a:spcAft>
-                <a:spcPts val="600"/>
-              </a:spcAft>
-              <a:defRPr sz="1800"/>
-            </a:pPr>
-          </a:p>
-          <a:p>
-            <a:pPr>
-              <a:spcBef>
-                <a:spcPts val="600"/>
-              </a:spcBef>
-              <a:spcAft>
-                <a:spcPts val="600"/>
-              </a:spcAft>
-              <a:defRPr sz="1800"/>
-            </a:pPr>
-            <a:r>
-              <a:t>Ethical AI:</a:t>
-            </a:r>
-          </a:p>
-          <a:p>
-            <a:pPr>
-              <a:spcBef>
-                <a:spcPts val="600"/>
-              </a:spcBef>
-              <a:spcAft>
-                <a:spcPts val="600"/>
-              </a:spcAft>
-              <a:defRPr sz="1800"/>
-            </a:pPr>
-            <a:r>
-              <a:t>   • Demonstrated fairness across demographic groups</a:t>
-            </a:r>
-          </a:p>
-          <a:p>
-            <a:pPr>
-              <a:spcBef>
-                <a:spcPts val="600"/>
-              </a:spcBef>
-              <a:spcAft>
-                <a:spcPts val="600"/>
-              </a:spcAft>
-              <a:defRPr sz="1800"/>
-            </a:pPr>
-            <a:r>
-              <a:t>   • Transparent feature analysis for clinical validation</a:t>
-            </a:r>
-          </a:p>
-          <a:p>
-            <a:pPr>
-              <a:spcBef>
-                <a:spcPts val="600"/>
-              </a:spcBef>
-              <a:spcAft>
-                <a:spcPts val="600"/>
-              </a:spcAft>
-              <a:defRPr sz="1800"/>
-            </a:pPr>
-            <a:r>
-              <a:t>   • Framework for responsible AI deployment in healthcare</a:t>
+              <a:t>1. Exceptional Performance Maintained:</a:t>
+            </a:r>
+          </a:p>
+          <a:p>
+            <a:pPr>
+              <a:spcBef>
+                <a:spcPts val="600"/>
+              </a:spcBef>
+              <a:spcAft>
+                <a:spcPts val="600"/>
+              </a:spcAft>
+              <a:defRPr sz="1800"/>
+            </a:pPr>
+            <a:r>
+              <a:t>   • Knox &amp; Obeid's CNN: AUC=0.987 on evaluation dataset</a:t>
+            </a:r>
+          </a:p>
+          <a:p>
+            <a:pPr>
+              <a:spcBef>
+                <a:spcPts val="600"/>
+              </a:spcBef>
+              <a:spcAft>
+                <a:spcPts val="600"/>
+              </a:spcAft>
+              <a:defRPr sz="1800"/>
+            </a:pPr>
+            <a:r>
+              <a:t>   • Consistent performance across 10 model cycles</a:t>
+            </a:r>
+          </a:p>
+          <a:p>
+            <a:pPr>
+              <a:spcBef>
+                <a:spcPts val="600"/>
+              </a:spcBef>
+              <a:spcAft>
+                <a:spcPts val="600"/>
+              </a:spcAft>
+              <a:defRPr sz="1800"/>
+            </a:pPr>
+            <a:r>
+              <a:t>   • Excellent calibration (Brier=0.044)</a:t>
+            </a:r>
+          </a:p>
+          <a:p>
+            <a:pPr>
+              <a:spcBef>
+                <a:spcPts val="600"/>
+              </a:spcBef>
+              <a:spcAft>
+                <a:spcPts val="600"/>
+              </a:spcAft>
+              <a:defRPr sz="1800"/>
+            </a:pPr>
+          </a:p>
+          <a:p>
+            <a:pPr>
+              <a:spcBef>
+                <a:spcPts val="600"/>
+              </a:spcBef>
+              <a:spcAft>
+                <a:spcPts val="600"/>
+              </a:spcAft>
+              <a:defRPr sz="1800"/>
+            </a:pPr>
+            <a:r>
+              <a:t>2. Algorithmic Fairness Confirmed (Aim 1):</a:t>
+            </a:r>
+          </a:p>
+          <a:p>
+            <a:pPr>
+              <a:spcBef>
+                <a:spcPts val="600"/>
+              </a:spcBef>
+              <a:spcAft>
+                <a:spcPts val="600"/>
+              </a:spcAft>
+              <a:defRPr sz="1800"/>
+            </a:pPr>
+            <a:r>
+              <a:t>   • No significant disparities across gender, race, ethnicity</a:t>
+            </a:r>
+          </a:p>
+          <a:p>
+            <a:pPr>
+              <a:spcBef>
+                <a:spcPts val="600"/>
+              </a:spcBef>
+              <a:spcAft>
+                <a:spcPts val="600"/>
+              </a:spcAft>
+              <a:defRPr sz="1800"/>
+            </a:pPr>
+            <a:r>
+              <a:t>   • Approximate randomization tests: all p&gt;0.05</a:t>
+            </a:r>
+          </a:p>
+          <a:p>
+            <a:pPr>
+              <a:spcBef>
+                <a:spcPts val="600"/>
+              </a:spcBef>
+              <a:spcAft>
+                <a:spcPts val="600"/>
+              </a:spcAft>
+              <a:defRPr sz="1800"/>
+            </a:pPr>
+            <a:r>
+              <a:t>   • Performance variance within ±0.05 AUC threshold</a:t>
+            </a:r>
+          </a:p>
+          <a:p>
+            <a:pPr>
+              <a:spcBef>
+                <a:spcPts val="600"/>
+              </a:spcBef>
+              <a:spcAft>
+                <a:spcPts val="600"/>
+              </a:spcAft>
+              <a:defRPr sz="1800"/>
+            </a:pPr>
+            <a:r>
+              <a:t>   • Intersectional analysis: equitable outcomes</a:t>
+            </a:r>
+          </a:p>
+          <a:p>
+            <a:pPr>
+              <a:spcBef>
+                <a:spcPts val="600"/>
+              </a:spcBef>
+              <a:spcAft>
+                <a:spcPts val="600"/>
+              </a:spcAft>
+              <a:defRPr sz="1800"/>
+            </a:pPr>
+          </a:p>
+          <a:p>
+            <a:pPr>
+              <a:spcBef>
+                <a:spcPts val="600"/>
+              </a:spcBef>
+              <a:spcAft>
+                <a:spcPts val="600"/>
+              </a:spcAft>
+              <a:defRPr sz="1800"/>
+            </a:pPr>
+            <a:r>
+              <a:t>3. Interpretable Features Identified (Aim 2):</a:t>
+            </a:r>
+          </a:p>
+          <a:p>
+            <a:pPr>
+              <a:spcBef>
+                <a:spcPts val="600"/>
+              </a:spcBef>
+              <a:spcAft>
+                <a:spcPts val="600"/>
+              </a:spcAft>
+              <a:defRPr sz="1800"/>
+            </a:pPr>
+            <a:r>
+              <a:t>   • Discriminative terms align with clinical knowledge</a:t>
+            </a:r>
+          </a:p>
+          <a:p>
+            <a:pPr>
+              <a:spcBef>
+                <a:spcPts val="600"/>
+              </a:spcBef>
+              <a:spcAft>
+                <a:spcPts val="600"/>
+              </a:spcAft>
+              <a:defRPr sz="1800"/>
+            </a:pPr>
+            <a:r>
+              <a:t>   • Feature patterns consistent across demographics (70-90% overlap)</a:t>
+            </a:r>
+          </a:p>
+          <a:p>
+            <a:pPr>
+              <a:spcBef>
+                <a:spcPts val="600"/>
+              </a:spcBef>
+              <a:spcAft>
+                <a:spcPts val="600"/>
+              </a:spcAft>
+              <a:defRPr sz="1800"/>
+            </a:pPr>
+            <a:r>
+              <a:t>   • Behavioral testing validates feature importance</a:t>
             </a:r>
           </a:p>
         </p:txBody>
@@ -4825,7 +4681,7 @@
               </a:defRPr>
             </a:pPr>
             <a:r>
-              <a:t>Limitations &amp; Future Work</a:t>
+              <a:t>Discussion: Clinical Implications</a:t>
             </a:r>
           </a:p>
         </p:txBody>
@@ -4856,172 +4712,211 @@
               <a:defRPr sz="1800"/>
             </a:pPr>
             <a:r>
-              <a:t>Study Limitations:</a:t>
-            </a:r>
-          </a:p>
-          <a:p>
-            <a:pPr>
-              <a:spcBef>
-                <a:spcPts val="600"/>
-              </a:spcBef>
-              <a:spcAft>
-                <a:spcPts val="600"/>
-              </a:spcAft>
-              <a:defRPr sz="1800"/>
-            </a:pPr>
-            <a:r>
-              <a:t>   • Single-site data (generalizability needs validation)</a:t>
-            </a:r>
-          </a:p>
-          <a:p>
-            <a:pPr>
-              <a:spcBef>
-                <a:spcPts val="600"/>
-              </a:spcBef>
-              <a:spcAft>
-                <a:spcPts val="600"/>
-              </a:spcAft>
-              <a:defRPr sz="1800"/>
-            </a:pPr>
-            <a:r>
-              <a:t>   • Small sample sizes for some demographic subgroups</a:t>
-            </a:r>
-          </a:p>
-          <a:p>
-            <a:pPr>
-              <a:spcBef>
-                <a:spcPts val="600"/>
-              </a:spcBef>
-              <a:spcAft>
-                <a:spcPts val="600"/>
-              </a:spcAft>
-              <a:defRPr sz="1800"/>
-            </a:pPr>
-            <a:r>
-              <a:t>   • Pre-trained model (limited training data shown)</a:t>
-            </a:r>
-          </a:p>
-          <a:p>
-            <a:pPr>
-              <a:spcBef>
-                <a:spcPts val="600"/>
-              </a:spcBef>
-              <a:spcAft>
-                <a:spcPts val="600"/>
-              </a:spcAft>
-              <a:defRPr sz="1800"/>
-            </a:pPr>
-            <a:r>
-              <a:t>   • Temporal validation not performed</a:t>
-            </a:r>
-          </a:p>
-          <a:p>
-            <a:pPr>
-              <a:spcBef>
-                <a:spcPts val="600"/>
-              </a:spcBef>
-              <a:spcAft>
-                <a:spcPts val="600"/>
-              </a:spcAft>
-              <a:defRPr sz="1800"/>
-            </a:pPr>
-          </a:p>
-          <a:p>
-            <a:pPr>
-              <a:spcBef>
-                <a:spcPts val="600"/>
-              </a:spcBef>
-              <a:spcAft>
-                <a:spcPts val="600"/>
-              </a:spcAft>
-              <a:defRPr sz="1800"/>
-            </a:pPr>
-            <a:r>
-              <a:t>Future Directions:</a:t>
-            </a:r>
-          </a:p>
-          <a:p>
-            <a:pPr>
-              <a:spcBef>
-                <a:spcPts val="600"/>
-              </a:spcBef>
-              <a:spcAft>
-                <a:spcPts val="600"/>
-              </a:spcAft>
-              <a:defRPr sz="1800"/>
-            </a:pPr>
-            <a:r>
-              <a:t>   • Multi-site external validation</a:t>
-            </a:r>
-          </a:p>
-          <a:p>
-            <a:pPr>
-              <a:spcBef>
-                <a:spcPts val="600"/>
-              </a:spcBef>
-              <a:spcAft>
-                <a:spcPts val="600"/>
-              </a:spcAft>
-              <a:defRPr sz="1800"/>
-            </a:pPr>
-            <a:r>
-              <a:t>   • Prospective clinical trial</a:t>
-            </a:r>
-          </a:p>
-          <a:p>
-            <a:pPr>
-              <a:spcBef>
-                <a:spcPts val="600"/>
-              </a:spcBef>
-              <a:spcAft>
-                <a:spcPts val="600"/>
-              </a:spcAft>
-              <a:defRPr sz="1800"/>
-            </a:pPr>
-            <a:r>
-              <a:t>   • Temporal validation across years</a:t>
-            </a:r>
-          </a:p>
-          <a:p>
-            <a:pPr>
-              <a:spcBef>
-                <a:spcPts val="600"/>
-              </a:spcBef>
-              <a:spcAft>
-                <a:spcPts val="600"/>
-              </a:spcAft>
-              <a:defRPr sz="1800"/>
-            </a:pPr>
-            <a:r>
-              <a:t>   • Integration with structured EHR data</a:t>
-            </a:r>
-          </a:p>
-          <a:p>
-            <a:pPr>
-              <a:spcBef>
-                <a:spcPts val="600"/>
-              </a:spcBef>
-              <a:spcAft>
-                <a:spcPts val="600"/>
-              </a:spcAft>
-              <a:defRPr sz="1800"/>
-            </a:pPr>
-            <a:r>
-              <a:t>   • LIME/SHAP explanations for individual predictions</a:t>
-            </a:r>
-          </a:p>
-          <a:p>
-            <a:pPr>
-              <a:spcBef>
-                <a:spcPts val="600"/>
-              </a:spcBef>
-              <a:spcAft>
-                <a:spcPts val="600"/>
-              </a:spcAft>
-              <a:defRPr sz="1800"/>
-            </a:pPr>
-            <a:r>
-              <a:t>   • Longitudinal progression modeling</a:t>
+              <a:t>Potential Applications:</a:t>
+            </a:r>
+          </a:p>
+          <a:p>
+            <a:pPr>
+              <a:spcBef>
+                <a:spcPts val="600"/>
+              </a:spcBef>
+              <a:spcAft>
+                <a:spcPts val="600"/>
+              </a:spcAft>
+              <a:defRPr sz="1800"/>
+            </a:pPr>
+            <a:r>
+              <a:t>   • Automated ADRD screening in large patient populations</a:t>
+            </a:r>
+          </a:p>
+          <a:p>
+            <a:pPr>
+              <a:spcBef>
+                <a:spcPts val="600"/>
+              </a:spcBef>
+              <a:spcAft>
+                <a:spcPts val="600"/>
+              </a:spcAft>
+              <a:defRPr sz="1800"/>
+            </a:pPr>
+            <a:r>
+              <a:t>   • Early detection support for clinicians</a:t>
+            </a:r>
+          </a:p>
+          <a:p>
+            <a:pPr>
+              <a:spcBef>
+                <a:spcPts val="600"/>
+              </a:spcBef>
+              <a:spcAft>
+                <a:spcPts val="600"/>
+              </a:spcAft>
+              <a:defRPr sz="1800"/>
+            </a:pPr>
+            <a:r>
+              <a:t>   • Risk stratification for preventive interventions</a:t>
+            </a:r>
+          </a:p>
+          <a:p>
+            <a:pPr>
+              <a:spcBef>
+                <a:spcPts val="600"/>
+              </a:spcBef>
+              <a:spcAft>
+                <a:spcPts val="600"/>
+              </a:spcAft>
+              <a:defRPr sz="1800"/>
+            </a:pPr>
+            <a:r>
+              <a:t>   • Reduction of manual chart review burden</a:t>
+            </a:r>
+          </a:p>
+          <a:p>
+            <a:pPr>
+              <a:spcBef>
+                <a:spcPts val="600"/>
+              </a:spcBef>
+              <a:spcAft>
+                <a:spcPts val="600"/>
+              </a:spcAft>
+              <a:defRPr sz="1800"/>
+            </a:pPr>
+          </a:p>
+          <a:p>
+            <a:pPr>
+              <a:spcBef>
+                <a:spcPts val="600"/>
+              </a:spcBef>
+              <a:spcAft>
+                <a:spcPts val="600"/>
+              </a:spcAft>
+              <a:defRPr sz="1800"/>
+            </a:pPr>
+            <a:r>
+              <a:t>Implementation Considerations:</a:t>
+            </a:r>
+          </a:p>
+          <a:p>
+            <a:pPr>
+              <a:spcBef>
+                <a:spcPts val="600"/>
+              </a:spcBef>
+              <a:spcAft>
+                <a:spcPts val="600"/>
+              </a:spcAft>
+              <a:defRPr sz="1800"/>
+            </a:pPr>
+            <a:r>
+              <a:t>   • Integration with EHR systems</a:t>
+            </a:r>
+          </a:p>
+          <a:p>
+            <a:pPr>
+              <a:spcBef>
+                <a:spcPts val="600"/>
+              </a:spcBef>
+              <a:spcAft>
+                <a:spcPts val="600"/>
+              </a:spcAft>
+              <a:defRPr sz="1800"/>
+            </a:pPr>
+            <a:r>
+              <a:t>   • Real-time prediction at point of care</a:t>
+            </a:r>
+          </a:p>
+          <a:p>
+            <a:pPr>
+              <a:spcBef>
+                <a:spcPts val="600"/>
+              </a:spcBef>
+              <a:spcAft>
+                <a:spcPts val="600"/>
+              </a:spcAft>
+              <a:defRPr sz="1800"/>
+            </a:pPr>
+            <a:r>
+              <a:t>   • Clinician-in-the-loop validation</a:t>
+            </a:r>
+          </a:p>
+          <a:p>
+            <a:pPr>
+              <a:spcBef>
+                <a:spcPts val="600"/>
+              </a:spcBef>
+              <a:spcAft>
+                <a:spcPts val="600"/>
+              </a:spcAft>
+              <a:defRPr sz="1800"/>
+            </a:pPr>
+            <a:r>
+              <a:t>   • Continuous monitoring for model drift</a:t>
+            </a:r>
+          </a:p>
+          <a:p>
+            <a:pPr>
+              <a:spcBef>
+                <a:spcPts val="600"/>
+              </a:spcBef>
+              <a:spcAft>
+                <a:spcPts val="600"/>
+              </a:spcAft>
+              <a:defRPr sz="1800"/>
+            </a:pPr>
+          </a:p>
+          <a:p>
+            <a:pPr>
+              <a:spcBef>
+                <a:spcPts val="600"/>
+              </a:spcBef>
+              <a:spcAft>
+                <a:spcPts val="600"/>
+              </a:spcAft>
+              <a:defRPr sz="1800"/>
+            </a:pPr>
+            <a:r>
+              <a:t>Ethical AI:</a:t>
+            </a:r>
+          </a:p>
+          <a:p>
+            <a:pPr>
+              <a:spcBef>
+                <a:spcPts val="600"/>
+              </a:spcBef>
+              <a:spcAft>
+                <a:spcPts val="600"/>
+              </a:spcAft>
+              <a:defRPr sz="1800"/>
+            </a:pPr>
+            <a:r>
+              <a:t>   • Demonstrated fairness across demographic groups</a:t>
+            </a:r>
+          </a:p>
+          <a:p>
+            <a:pPr>
+              <a:spcBef>
+                <a:spcPts val="600"/>
+              </a:spcBef>
+              <a:spcAft>
+                <a:spcPts val="600"/>
+              </a:spcAft>
+              <a:defRPr sz="1800"/>
+            </a:pPr>
+            <a:r>
+              <a:t>   • Transparent feature analysis for clinical validation</a:t>
+            </a:r>
+          </a:p>
+          <a:p>
+            <a:pPr>
+              <a:spcBef>
+                <a:spcPts val="600"/>
+              </a:spcBef>
+              <a:spcAft>
+                <a:spcPts val="600"/>
+              </a:spcAft>
+              <a:defRPr sz="1800"/>
+            </a:pPr>
+            <a:r>
+              <a:t>   • Framework for responsible AI deployment in healthcare</a:t>
             </a:r>
           </a:p>
         </p:txBody>
@@ -5126,49 +5021,74 @@
               <a:defRPr sz="1800"/>
             </a:pPr>
             <a:r>
-              <a:t>Challenge: Manual chart review time-intensive and inconsistent</a:t>
-            </a:r>
-          </a:p>
-          <a:p>
-            <a:pPr>
-              <a:spcBef>
-                <a:spcPts val="600"/>
-              </a:spcBef>
-              <a:spcAft>
-                <a:spcPts val="600"/>
-              </a:spcAft>
-              <a:defRPr sz="1800"/>
-            </a:pPr>
-            <a:r>
-              <a:t>Opportunity: Leverage unstructured clinical notes with deep learning</a:t>
-            </a:r>
-          </a:p>
-          <a:p>
-            <a:pPr>
-              <a:spcBef>
-                <a:spcPts val="600"/>
-              </a:spcBef>
-              <a:spcAft>
-                <a:spcPts val="600"/>
-              </a:spcAft>
-              <a:defRPr sz="1800"/>
-            </a:pPr>
-            <a:r>
-              <a:t>Gap: Limited research on algorithmic fairness across demographic groups</a:t>
-            </a:r>
-          </a:p>
-          <a:p>
-            <a:pPr>
-              <a:spcBef>
-                <a:spcPts val="600"/>
-              </a:spcBef>
-              <a:spcAft>
-                <a:spcPts val="600"/>
-              </a:spcAft>
-              <a:defRPr sz="1800"/>
-            </a:pPr>
-            <a:r>
-              <a:t>Need: Automated, accurate, and fair ePhenotyping system</a:t>
+              <a:t>Prior Work: Knox &amp; Obeid developed ML models for ADRD detection</a:t>
+            </a:r>
+          </a:p>
+          <a:p>
+            <a:pPr>
+              <a:spcBef>
+                <a:spcPts val="600"/>
+              </a:spcBef>
+              <a:spcAft>
+                <a:spcPts val="600"/>
+              </a:spcAft>
+              <a:defRPr sz="1800"/>
+            </a:pPr>
+            <a:r>
+              <a:t>   • Trained 7 models (RF, SVM, CNN) on MUSC clinical notes</a:t>
+            </a:r>
+          </a:p>
+          <a:p>
+            <a:pPr>
+              <a:spcBef>
+                <a:spcPts val="600"/>
+              </a:spcBef>
+              <a:spcAft>
+                <a:spcPts val="600"/>
+              </a:spcAft>
+              <a:defRPr sz="1800"/>
+            </a:pPr>
+            <a:r>
+              <a:t>   • Strong overall performance demonstrated</a:t>
+            </a:r>
+          </a:p>
+          <a:p>
+            <a:pPr>
+              <a:spcBef>
+                <a:spcPts val="600"/>
+              </a:spcBef>
+              <a:spcAft>
+                <a:spcPts val="600"/>
+              </a:spcAft>
+              <a:defRPr sz="1800"/>
+            </a:pPr>
+          </a:p>
+          <a:p>
+            <a:pPr>
+              <a:spcBef>
+                <a:spcPts val="600"/>
+              </a:spcBef>
+              <a:spcAft>
+                <a:spcPts val="600"/>
+              </a:spcAft>
+              <a:defRPr sz="1800"/>
+            </a:pPr>
+            <a:r>
+              <a:t>Gap: Limited evaluation of algorithmic fairness across demographics</a:t>
+            </a:r>
+          </a:p>
+          <a:p>
+            <a:pPr>
+              <a:spcBef>
+                <a:spcPts val="600"/>
+              </a:spcBef>
+              <a:spcAft>
+                <a:spcPts val="600"/>
+              </a:spcAft>
+              <a:defRPr sz="1800"/>
+            </a:pPr>
+            <a:r>
+              <a:t>Need: Comprehensive fairness analysis and feature interpretability</a:t>
             </a:r>
           </a:p>
         </p:txBody>
@@ -5214,7 +5134,7 @@
               </a:defRPr>
             </a:pPr>
             <a:r>
-              <a:t>Conclusions</a:t>
+              <a:t>Limitations &amp; Future Work</a:t>
             </a:r>
           </a:p>
         </p:txBody>
@@ -5245,191 +5165,186 @@
               <a:defRPr sz="1800"/>
             </a:pPr>
             <a:r>
-              <a:t>✓ Developed high-performing CNN model for ADRD detection</a:t>
-            </a:r>
-          </a:p>
-          <a:p>
-            <a:pPr>
-              <a:spcBef>
-                <a:spcPts val="600"/>
-              </a:spcBef>
-              <a:spcAft>
-                <a:spcPts val="600"/>
-              </a:spcAft>
-              <a:defRPr sz="1800"/>
-            </a:pPr>
-            <a:r>
-              <a:t>   (AUC=0.987, Sensitivity=97.3%, Specificity=91.8%)</a:t>
-            </a:r>
-          </a:p>
-          <a:p>
-            <a:pPr>
-              <a:spcBef>
-                <a:spcPts val="600"/>
-              </a:spcBef>
-              <a:spcAft>
-                <a:spcPts val="600"/>
-              </a:spcAft>
-              <a:defRPr sz="1800"/>
-            </a:pPr>
-          </a:p>
-          <a:p>
-            <a:pPr>
-              <a:spcBef>
-                <a:spcPts val="600"/>
-              </a:spcBef>
-              <a:spcAft>
-                <a:spcPts val="600"/>
-              </a:spcAft>
-              <a:defRPr sz="1800"/>
-            </a:pPr>
-            <a:r>
-              <a:t>✓ Demonstrated algorithmic fairness across demographics</a:t>
-            </a:r>
-          </a:p>
-          <a:p>
-            <a:pPr>
-              <a:spcBef>
-                <a:spcPts val="600"/>
-              </a:spcBef>
-              <a:spcAft>
-                <a:spcPts val="600"/>
-              </a:spcAft>
-              <a:defRPr sz="1800"/>
-            </a:pPr>
-            <a:r>
-              <a:t>   (No significant disparities in gender, race, ethnicity)</a:t>
-            </a:r>
-          </a:p>
-          <a:p>
-            <a:pPr>
-              <a:spcBef>
-                <a:spcPts val="600"/>
-              </a:spcBef>
-              <a:spcAft>
-                <a:spcPts val="600"/>
-              </a:spcAft>
-              <a:defRPr sz="1800"/>
-            </a:pPr>
-          </a:p>
-          <a:p>
-            <a:pPr>
-              <a:spcBef>
-                <a:spcPts val="600"/>
-              </a:spcBef>
-              <a:spcAft>
-                <a:spcPts val="600"/>
-              </a:spcAft>
-              <a:defRPr sz="1800"/>
-            </a:pPr>
-            <a:r>
-              <a:t>✓ Identified clinically meaningful discriminative features</a:t>
-            </a:r>
-          </a:p>
-          <a:p>
-            <a:pPr>
-              <a:spcBef>
-                <a:spcPts val="600"/>
-              </a:spcBef>
-              <a:spcAft>
-                <a:spcPts val="600"/>
-              </a:spcAft>
-              <a:defRPr sz="1800"/>
-            </a:pPr>
-            <a:r>
-              <a:t>   (Consistent patterns across demographic subgroups)</a:t>
-            </a:r>
-          </a:p>
-          <a:p>
-            <a:pPr>
-              <a:spcBef>
-                <a:spcPts val="600"/>
-              </a:spcBef>
-              <a:spcAft>
-                <a:spcPts val="600"/>
-              </a:spcAft>
-              <a:defRPr sz="1800"/>
-            </a:pPr>
-          </a:p>
-          <a:p>
-            <a:pPr>
-              <a:spcBef>
-                <a:spcPts val="600"/>
-              </a:spcBef>
-              <a:spcAft>
-                <a:spcPts val="600"/>
-              </a:spcAft>
-              <a:defRPr sz="1800"/>
-            </a:pPr>
-            <a:r>
-              <a:t>Impact:</a:t>
-            </a:r>
-          </a:p>
-          <a:p>
-            <a:pPr>
-              <a:spcBef>
-                <a:spcPts val="600"/>
-              </a:spcBef>
-              <a:spcAft>
-                <a:spcPts val="600"/>
-              </a:spcAft>
-              <a:defRPr sz="1800"/>
-            </a:pPr>
-            <a:r>
-              <a:t>   • Scalable automated ADRD screening from clinical notes</a:t>
-            </a:r>
-          </a:p>
-          <a:p>
-            <a:pPr>
-              <a:spcBef>
-                <a:spcPts val="600"/>
-              </a:spcBef>
-              <a:spcAft>
-                <a:spcPts val="600"/>
-              </a:spcAft>
-              <a:defRPr sz="1800"/>
-            </a:pPr>
-            <a:r>
-              <a:t>   • Fair and equitable performance for diverse populations</a:t>
-            </a:r>
-          </a:p>
-          <a:p>
-            <a:pPr>
-              <a:spcBef>
-                <a:spcPts val="600"/>
-              </a:spcBef>
-              <a:spcAft>
-                <a:spcPts val="600"/>
-              </a:spcAft>
-              <a:defRPr sz="1800"/>
-            </a:pPr>
-            <a:r>
-              <a:t>   • Framework for ethical AI deployment in healthcare</a:t>
-            </a:r>
-          </a:p>
-          <a:p>
-            <a:pPr>
-              <a:spcBef>
-                <a:spcPts val="600"/>
-              </a:spcBef>
-              <a:spcAft>
-                <a:spcPts val="600"/>
-              </a:spcAft>
-              <a:defRPr sz="1800"/>
-            </a:pPr>
-          </a:p>
-          <a:p>
-            <a:pPr>
-              <a:spcBef>
-                <a:spcPts val="600"/>
-              </a:spcBef>
-              <a:spcAft>
-                <a:spcPts val="600"/>
-              </a:spcAft>
-              <a:defRPr sz="1800"/>
-            </a:pPr>
-            <a:r>
-              <a:t>Next Steps: Multi-site validation and clinical implementation</a:t>
+              <a:t>Study Limitations:</a:t>
+            </a:r>
+          </a:p>
+          <a:p>
+            <a:pPr>
+              <a:spcBef>
+                <a:spcPts val="600"/>
+              </a:spcBef>
+              <a:spcAft>
+                <a:spcPts val="600"/>
+              </a:spcAft>
+              <a:defRPr sz="1800"/>
+            </a:pPr>
+            <a:r>
+              <a:t>   • Single-site data (MUSC) - generalizability needs validation</a:t>
+            </a:r>
+          </a:p>
+          <a:p>
+            <a:pPr>
+              <a:spcBef>
+                <a:spcPts val="600"/>
+              </a:spcBef>
+              <a:spcAft>
+                <a:spcPts val="600"/>
+              </a:spcAft>
+              <a:defRPr sz="1800"/>
+            </a:pPr>
+            <a:r>
+              <a:t>   • Small sample sizes for some demographic subgroups</a:t>
+            </a:r>
+          </a:p>
+          <a:p>
+            <a:pPr>
+              <a:spcBef>
+                <a:spcPts val="600"/>
+              </a:spcBef>
+              <a:spcAft>
+                <a:spcPts val="600"/>
+              </a:spcAft>
+              <a:defRPr sz="1800"/>
+            </a:pPr>
+            <a:r>
+              <a:t>   • Evaluation limited to one CNN model architecture</a:t>
+            </a:r>
+          </a:p>
+          <a:p>
+            <a:pPr>
+              <a:spcBef>
+                <a:spcPts val="600"/>
+              </a:spcBef>
+              <a:spcAft>
+                <a:spcPts val="600"/>
+              </a:spcAft>
+              <a:defRPr sz="1800"/>
+            </a:pPr>
+            <a:r>
+              <a:t>   • Temporal validation not performed</a:t>
+            </a:r>
+          </a:p>
+          <a:p>
+            <a:pPr>
+              <a:spcBef>
+                <a:spcPts val="600"/>
+              </a:spcBef>
+              <a:spcAft>
+                <a:spcPts val="600"/>
+              </a:spcAft>
+              <a:defRPr sz="1800"/>
+            </a:pPr>
+            <a:r>
+              <a:t>   • No external validation dataset</a:t>
+            </a:r>
+          </a:p>
+          <a:p>
+            <a:pPr>
+              <a:spcBef>
+                <a:spcPts val="600"/>
+              </a:spcBef>
+              <a:spcAft>
+                <a:spcPts val="600"/>
+              </a:spcAft>
+              <a:defRPr sz="1800"/>
+            </a:pPr>
+          </a:p>
+          <a:p>
+            <a:pPr>
+              <a:spcBef>
+                <a:spcPts val="600"/>
+              </a:spcBef>
+              <a:spcAft>
+                <a:spcPts val="600"/>
+              </a:spcAft>
+              <a:defRPr sz="1800"/>
+            </a:pPr>
+            <a:r>
+              <a:t>Future Directions:</a:t>
+            </a:r>
+          </a:p>
+          <a:p>
+            <a:pPr>
+              <a:spcBef>
+                <a:spcPts val="600"/>
+              </a:spcBef>
+              <a:spcAft>
+                <a:spcPts val="600"/>
+              </a:spcAft>
+              <a:defRPr sz="1800"/>
+            </a:pPr>
+            <a:r>
+              <a:t>   • Multi-site external validation</a:t>
+            </a:r>
+          </a:p>
+          <a:p>
+            <a:pPr>
+              <a:spcBef>
+                <a:spcPts val="600"/>
+              </a:spcBef>
+              <a:spcAft>
+                <a:spcPts val="600"/>
+              </a:spcAft>
+              <a:defRPr sz="1800"/>
+            </a:pPr>
+            <a:r>
+              <a:t>   • Prospective clinical trial for real-world deployment</a:t>
+            </a:r>
+          </a:p>
+          <a:p>
+            <a:pPr>
+              <a:spcBef>
+                <a:spcPts val="600"/>
+              </a:spcBef>
+              <a:spcAft>
+                <a:spcPts val="600"/>
+              </a:spcAft>
+              <a:defRPr sz="1800"/>
+            </a:pPr>
+            <a:r>
+              <a:t>   • Temporal validation across different time periods</a:t>
+            </a:r>
+          </a:p>
+          <a:p>
+            <a:pPr>
+              <a:spcBef>
+                <a:spcPts val="600"/>
+              </a:spcBef>
+              <a:spcAft>
+                <a:spcPts val="600"/>
+              </a:spcAft>
+              <a:defRPr sz="1800"/>
+            </a:pPr>
+            <a:r>
+              <a:t>   • Compare fairness across multiple model architectures</a:t>
+            </a:r>
+          </a:p>
+          <a:p>
+            <a:pPr>
+              <a:spcBef>
+                <a:spcPts val="600"/>
+              </a:spcBef>
+              <a:spcAft>
+                <a:spcPts val="600"/>
+              </a:spcAft>
+              <a:defRPr sz="1800"/>
+            </a:pPr>
+            <a:r>
+              <a:t>   • Integration with structured EHR data (labs, vitals)</a:t>
+            </a:r>
+          </a:p>
+          <a:p>
+            <a:pPr>
+              <a:spcBef>
+                <a:spcPts val="600"/>
+              </a:spcBef>
+              <a:spcAft>
+                <a:spcPts val="600"/>
+              </a:spcAft>
+              <a:defRPr sz="1800"/>
+            </a:pPr>
+            <a:r>
+              <a:t>   • LIME/SHAP explanations for individual predictions</a:t>
             </a:r>
           </a:p>
         </p:txBody>
@@ -5475,6 +5390,270 @@
               </a:defRPr>
             </a:pPr>
             <a:r>
+              <a:t>Conclusions</a:t>
+            </a:r>
+          </a:p>
+        </p:txBody>
+      </p:sp>
+      <p:sp>
+        <p:nvSpPr>
+          <p:cNvPr id="3" name="Content Placeholder 2"/>
+          <p:cNvSpPr>
+            <a:spLocks noGrp="1"/>
+          </p:cNvSpPr>
+          <p:nvPr>
+            <p:ph idx="1"/>
+          </p:nvPr>
+        </p:nvSpPr>
+        <p:spPr/>
+        <p:txBody>
+          <a:bodyPr/>
+          <a:lstStyle/>
+          <a:p/>
+          <a:p>
+            <a:pPr>
+              <a:spcBef>
+                <a:spcPts val="600"/>
+              </a:spcBef>
+              <a:spcAft>
+                <a:spcPts val="600"/>
+              </a:spcAft>
+              <a:defRPr sz="1800"/>
+            </a:pPr>
+            <a:r>
+              <a:t>✓ Evaluated Knox &amp; Obeid's CNN model on diverse cohort</a:t>
+            </a:r>
+          </a:p>
+          <a:p>
+            <a:pPr>
+              <a:spcBef>
+                <a:spcPts val="600"/>
+              </a:spcBef>
+              <a:spcAft>
+                <a:spcPts val="600"/>
+              </a:spcAft>
+              <a:defRPr sz="1800"/>
+            </a:pPr>
+            <a:r>
+              <a:t>   (AUC=0.987, Sensitivity=97.3%, Specificity=91.8%)</a:t>
+            </a:r>
+          </a:p>
+          <a:p>
+            <a:pPr>
+              <a:spcBef>
+                <a:spcPts val="600"/>
+              </a:spcBef>
+              <a:spcAft>
+                <a:spcPts val="600"/>
+              </a:spcAft>
+              <a:defRPr sz="1800"/>
+            </a:pPr>
+          </a:p>
+          <a:p>
+            <a:pPr>
+              <a:spcBef>
+                <a:spcPts val="600"/>
+              </a:spcBef>
+              <a:spcAft>
+                <a:spcPts val="600"/>
+              </a:spcAft>
+              <a:defRPr sz="1800"/>
+            </a:pPr>
+            <a:r>
+              <a:t>✓ Confirmed algorithmic fairness across demographics (Aim 1)</a:t>
+            </a:r>
+          </a:p>
+          <a:p>
+            <a:pPr>
+              <a:spcBef>
+                <a:spcPts val="600"/>
+              </a:spcBef>
+              <a:spcAft>
+                <a:spcPts val="600"/>
+              </a:spcAft>
+              <a:defRPr sz="1800"/>
+            </a:pPr>
+            <a:r>
+              <a:t>   (Approximate randomization: no significant disparities)</a:t>
+            </a:r>
+          </a:p>
+          <a:p>
+            <a:pPr>
+              <a:spcBef>
+                <a:spcPts val="600"/>
+              </a:spcBef>
+              <a:spcAft>
+                <a:spcPts val="600"/>
+              </a:spcAft>
+              <a:defRPr sz="1800"/>
+            </a:pPr>
+            <a:r>
+              <a:t>   (Performance variance within ±0.05 AUC threshold)</a:t>
+            </a:r>
+          </a:p>
+          <a:p>
+            <a:pPr>
+              <a:spcBef>
+                <a:spcPts val="600"/>
+              </a:spcBef>
+              <a:spcAft>
+                <a:spcPts val="600"/>
+              </a:spcAft>
+              <a:defRPr sz="1800"/>
+            </a:pPr>
+          </a:p>
+          <a:p>
+            <a:pPr>
+              <a:spcBef>
+                <a:spcPts val="600"/>
+              </a:spcBef>
+              <a:spcAft>
+                <a:spcPts val="600"/>
+              </a:spcAft>
+              <a:defRPr sz="1800"/>
+            </a:pPr>
+            <a:r>
+              <a:t>✓ Identified interpretable discriminative features (Aim 2)</a:t>
+            </a:r>
+          </a:p>
+          <a:p>
+            <a:pPr>
+              <a:spcBef>
+                <a:spcPts val="600"/>
+              </a:spcBef>
+              <a:spcAft>
+                <a:spcPts val="600"/>
+              </a:spcAft>
+              <a:defRPr sz="1800"/>
+            </a:pPr>
+            <a:r>
+              <a:t>   (Behavioral testing + statistical feature analysis)</a:t>
+            </a:r>
+          </a:p>
+          <a:p>
+            <a:pPr>
+              <a:spcBef>
+                <a:spcPts val="600"/>
+              </a:spcBef>
+              <a:spcAft>
+                <a:spcPts val="600"/>
+              </a:spcAft>
+              <a:defRPr sz="1800"/>
+            </a:pPr>
+            <a:r>
+              <a:t>   (70-90% feature consistency across demographic groups)</a:t>
+            </a:r>
+          </a:p>
+          <a:p>
+            <a:pPr>
+              <a:spcBef>
+                <a:spcPts val="600"/>
+              </a:spcBef>
+              <a:spcAft>
+                <a:spcPts val="600"/>
+              </a:spcAft>
+              <a:defRPr sz="1800"/>
+            </a:pPr>
+          </a:p>
+          <a:p>
+            <a:pPr>
+              <a:spcBef>
+                <a:spcPts val="600"/>
+              </a:spcBef>
+              <a:spcAft>
+                <a:spcPts val="600"/>
+              </a:spcAft>
+              <a:defRPr sz="1800"/>
+            </a:pPr>
+            <a:r>
+              <a:t>Contributions:</a:t>
+            </a:r>
+          </a:p>
+          <a:p>
+            <a:pPr>
+              <a:spcBef>
+                <a:spcPts val="600"/>
+              </a:spcBef>
+              <a:spcAft>
+                <a:spcPts val="600"/>
+              </a:spcAft>
+              <a:defRPr sz="1800"/>
+            </a:pPr>
+            <a:r>
+              <a:t>   • Rigorous fairness evaluation framework for ADRD models</a:t>
+            </a:r>
+          </a:p>
+          <a:p>
+            <a:pPr>
+              <a:spcBef>
+                <a:spcPts val="600"/>
+              </a:spcBef>
+              <a:spcAft>
+                <a:spcPts val="600"/>
+              </a:spcAft>
+              <a:defRPr sz="1800"/>
+            </a:pPr>
+            <a:r>
+              <a:t>   • Evidence of equitable performance across diverse populations</a:t>
+            </a:r>
+          </a:p>
+          <a:p>
+            <a:pPr>
+              <a:spcBef>
+                <a:spcPts val="600"/>
+              </a:spcBef>
+              <a:spcAft>
+                <a:spcPts val="600"/>
+              </a:spcAft>
+              <a:defRPr sz="1800"/>
+            </a:pPr>
+            <a:r>
+              <a:t>   • Explainable AI approach for clinical feature validation</a:t>
+            </a:r>
+          </a:p>
+        </p:txBody>
+      </p:sp>
+    </p:spTree>
+  </p:cSld>
+  <p:clrMapOvr>
+    <a:masterClrMapping/>
+  </p:clrMapOvr>
+</p:sld>
+</file>
+
+<file path=ppt/slides/slide22.xml><?xml version="1.0" encoding="utf-8"?>
+<p:sld xmlns:a="http://schemas.openxmlformats.org/drawingml/2006/main" xmlns:p="http://schemas.openxmlformats.org/presentationml/2006/main" xmlns:r="http://schemas.openxmlformats.org/officeDocument/2006/relationships">
+  <p:cSld>
+    <p:spTree>
+      <p:nvGrpSpPr>
+        <p:cNvPr id="1" name=""/>
+        <p:cNvGrpSpPr/>
+        <p:nvPr/>
+      </p:nvGrpSpPr>
+      <p:grpSpPr/>
+      <p:sp>
+        <p:nvSpPr>
+          <p:cNvPr id="2" name="Title 1"/>
+          <p:cNvSpPr>
+            <a:spLocks noGrp="1"/>
+          </p:cNvSpPr>
+          <p:nvPr>
+            <p:ph type="title"/>
+          </p:nvPr>
+        </p:nvSpPr>
+        <p:spPr/>
+        <p:txBody>
+          <a:bodyPr/>
+          <a:lstStyle/>
+          <a:p>
+            <a:pPr>
+              <a:defRPr sz="3200" b="1">
+                <a:solidFill>
+                  <a:srgbClr val="003366"/>
+                </a:solidFill>
+              </a:defRPr>
+            </a:pPr>
+            <a:r>
               <a:t>Acknowledgments</a:t>
             </a:r>
           </a:p>
@@ -5520,21 +5699,60 @@
               <a:defRPr sz="1800"/>
             </a:pPr>
             <a:r>
-              <a:t>   • Frederick Gyasi - Lead Investigator</a:t>
-            </a:r>
-          </a:p>
-          <a:p>
-            <a:pPr>
-              <a:spcBef>
-                <a:spcPts val="600"/>
-              </a:spcBef>
-              <a:spcAft>
-                <a:spcPts val="600"/>
-              </a:spcAft>
-              <a:defRPr sz="1800"/>
-            </a:pPr>
-            <a:r>
-              <a:t>   • Jihad Obeid - Model Development</a:t>
+              <a:t>   • Frederick Gyasi - Principal Investigator</a:t>
+            </a:r>
+          </a:p>
+          <a:p>
+            <a:pPr>
+              <a:spcBef>
+                <a:spcPts val="600"/>
+              </a:spcBef>
+              <a:spcAft>
+                <a:spcPts val="600"/>
+              </a:spcAft>
+              <a:defRPr sz="1800"/>
+            </a:pPr>
+            <a:r>
+              <a:t>   • Jihad Obeid - Co-Investigator</a:t>
+            </a:r>
+          </a:p>
+          <a:p>
+            <a:pPr>
+              <a:spcBef>
+                <a:spcPts val="600"/>
+              </a:spcBef>
+              <a:spcAft>
+                <a:spcPts val="600"/>
+              </a:spcAft>
+              <a:defRPr sz="1800"/>
+            </a:pPr>
+          </a:p>
+          <a:p>
+            <a:pPr>
+              <a:spcBef>
+                <a:spcPts val="600"/>
+              </a:spcBef>
+              <a:spcAft>
+                <a:spcPts val="600"/>
+              </a:spcAft>
+              <a:defRPr sz="1800"/>
+            </a:pPr>
+            <a:r>
+              <a:t>Prior Work:</a:t>
+            </a:r>
+          </a:p>
+          <a:p>
+            <a:pPr>
+              <a:spcBef>
+                <a:spcPts val="600"/>
+              </a:spcBef>
+              <a:spcAft>
+                <a:spcPts val="600"/>
+              </a:spcAft>
+              <a:defRPr sz="1800"/>
+            </a:pPr>
+            <a:r>
+              <a:t>   • Knox &amp; Obeid - Original CNN model development</a:t>
             </a:r>
           </a:p>
           <a:p>
@@ -5612,7 +5830,7 @@
               <a:defRPr sz="1800"/>
             </a:pPr>
             <a:r>
-              <a:t>   • [Your Institution] Electronic Health Records</a:t>
+              <a:t>   • MUSC Research Data Warehouse</a:t>
             </a:r>
           </a:p>
           <a:p>
@@ -5781,88 +5999,127 @@
               <a:defRPr sz="1800"/>
             </a:pPr>
             <a:r>
-              <a:t>Aim 1: Develop CNN-based deep learning model for ADRD detection</a:t>
-            </a:r>
-          </a:p>
-          <a:p>
-            <a:pPr>
-              <a:spcBef>
-                <a:spcPts val="600"/>
-              </a:spcBef>
-              <a:spcAft>
-                <a:spcPts val="600"/>
-              </a:spcAft>
-              <a:defRPr sz="1800"/>
-            </a:pPr>
-            <a:r>
-              <a:t>   • Achieve high accuracy (&gt;90%) and AUC (&gt;0.95)</a:t>
-            </a:r>
-          </a:p>
-          <a:p>
-            <a:pPr>
-              <a:spcBef>
-                <a:spcPts val="600"/>
-              </a:spcBef>
-              <a:spcAft>
-                <a:spcPts val="600"/>
-              </a:spcAft>
-              <a:defRPr sz="1800"/>
-            </a:pPr>
-            <a:r>
-              <a:t>   • Evaluate performance across demographic subgroups</a:t>
-            </a:r>
-          </a:p>
-          <a:p>
-            <a:pPr>
-              <a:spcBef>
-                <a:spcPts val="600"/>
-              </a:spcBef>
-              <a:spcAft>
-                <a:spcPts val="600"/>
-              </a:spcAft>
-              <a:defRPr sz="1800"/>
-            </a:pPr>
-            <a:r>
-              <a:t>   • Assess algorithmic fairness (gender, race, ethnicity)</a:t>
-            </a:r>
-          </a:p>
-          <a:p>
-            <a:pPr>
-              <a:spcBef>
-                <a:spcPts val="600"/>
-              </a:spcBef>
-              <a:spcAft>
-                <a:spcPts val="600"/>
-              </a:spcAft>
-              <a:defRPr sz="1800"/>
-            </a:pPr>
-          </a:p>
-          <a:p>
-            <a:pPr>
-              <a:spcBef>
-                <a:spcPts val="600"/>
-              </a:spcBef>
-              <a:spcAft>
-                <a:spcPts val="600"/>
-              </a:spcAft>
-              <a:defRPr sz="1800"/>
-            </a:pPr>
-            <a:r>
-              <a:t>Aim 2: Identify discriminative clinical features</a:t>
-            </a:r>
-          </a:p>
-          <a:p>
-            <a:pPr>
-              <a:spcBef>
-                <a:spcPts val="600"/>
-              </a:spcBef>
-              <a:spcAft>
-                <a:spcPts val="600"/>
-              </a:spcAft>
-              <a:defRPr sz="1800"/>
-            </a:pPr>
-            <a:r>
-              <a:t>   • Extract top ADRD-indicative terms using NLP</a:t>
+              <a:t>Building on Knox &amp; Obeid's pre-trained CNN models</a:t>
+            </a:r>
+          </a:p>
+          <a:p>
+            <a:pPr>
+              <a:spcBef>
+                <a:spcPts val="600"/>
+              </a:spcBef>
+              <a:spcAft>
+                <a:spcPts val="600"/>
+              </a:spcAft>
+              <a:defRPr sz="1800"/>
+            </a:pPr>
+          </a:p>
+          <a:p>
+            <a:pPr>
+              <a:spcBef>
+                <a:spcPts val="600"/>
+              </a:spcBef>
+              <a:spcAft>
+                <a:spcPts val="600"/>
+              </a:spcAft>
+              <a:defRPr sz="1800"/>
+            </a:pPr>
+            <a:r>
+              <a:t>Aim 1: Evaluate model performance differences across demographics</a:t>
+            </a:r>
+          </a:p>
+          <a:p>
+            <a:pPr>
+              <a:spcBef>
+                <a:spcPts val="600"/>
+              </a:spcBef>
+              <a:spcAft>
+                <a:spcPts val="600"/>
+              </a:spcAft>
+              <a:defRPr sz="1800"/>
+            </a:pPr>
+            <a:r>
+              <a:t>   • Assess performance across gender, race, ethnicity subgroups</a:t>
+            </a:r>
+          </a:p>
+          <a:p>
+            <a:pPr>
+              <a:spcBef>
+                <a:spcPts val="600"/>
+              </a:spcBef>
+              <a:spcAft>
+                <a:spcPts val="600"/>
+              </a:spcAft>
+              <a:defRPr sz="1800"/>
+            </a:pPr>
+            <a:r>
+              <a:t>   • Test algorithmic fairness using approximate randomization</a:t>
+            </a:r>
+          </a:p>
+          <a:p>
+            <a:pPr>
+              <a:spcBef>
+                <a:spcPts val="600"/>
+              </a:spcBef>
+              <a:spcAft>
+                <a:spcPts val="600"/>
+              </a:spcAft>
+              <a:defRPr sz="1800"/>
+            </a:pPr>
+            <a:r>
+              <a:t>   • Identify any systematic disparities in model predictions</a:t>
+            </a:r>
+          </a:p>
+          <a:p>
+            <a:pPr>
+              <a:spcBef>
+                <a:spcPts val="600"/>
+              </a:spcBef>
+              <a:spcAft>
+                <a:spcPts val="600"/>
+              </a:spcAft>
+              <a:defRPr sz="1800"/>
+            </a:pPr>
+          </a:p>
+          <a:p>
+            <a:pPr>
+              <a:spcBef>
+                <a:spcPts val="600"/>
+              </a:spcBef>
+              <a:spcAft>
+                <a:spcPts val="600"/>
+              </a:spcAft>
+              <a:defRPr sz="1800"/>
+            </a:pPr>
+            <a:r>
+              <a:t>Aim 2: Identify cohort-specific discriminative features</a:t>
+            </a:r>
+          </a:p>
+          <a:p>
+            <a:pPr>
+              <a:spcBef>
+                <a:spcPts val="600"/>
+              </a:spcBef>
+              <a:spcAft>
+                <a:spcPts val="600"/>
+              </a:spcAft>
+              <a:defRPr sz="1800"/>
+            </a:pPr>
+            <a:r>
+              <a:t>   • Use Behavioral Testing to identify important features</a:t>
+            </a:r>
+          </a:p>
+          <a:p>
+            <a:pPr>
+              <a:spcBef>
+                <a:spcPts val="600"/>
+              </a:spcBef>
+              <a:spcAft>
+                <a:spcPts val="600"/>
+              </a:spcAft>
+              <a:defRPr sz="1800"/>
+            </a:pPr>
+            <a:r>
+              <a:t>   • Apply explainable AI approaches (Chi-squared, TF-IDF)</a:t>
             </a:r>
           </a:p>
           <a:p>
@@ -5877,20 +6134,6 @@
             </a:pPr>
             <a:r>
               <a:t>   • Analyze demographic-specific feature patterns</a:t>
-            </a:r>
-          </a:p>
-          <a:p>
-            <a:pPr>
-              <a:spcBef>
-                <a:spcPts val="600"/>
-              </a:spcBef>
-              <a:spcAft>
-                <a:spcPts val="600"/>
-              </a:spcAft>
-              <a:defRPr sz="1800"/>
-            </a:pPr>
-            <a:r>
-              <a:t>   • Ensure model interpretability and clinical validity</a:t>
             </a:r>
           </a:p>
         </p:txBody>
@@ -6147,7 +6390,7 @@
               </a:defRPr>
             </a:pPr>
             <a:r>
-              <a:t>Methodology: Data Preprocessing</a:t>
+              <a:t>Methodology: Evaluation Dataset</a:t>
             </a:r>
           </a:p>
         </p:txBody>
@@ -6178,130 +6421,130 @@
               <a:defRPr sz="1800"/>
             </a:pPr>
             <a:r>
-              <a:t>Text Preprocessing Pipeline:</a:t>
-            </a:r>
-          </a:p>
-          <a:p>
-            <a:pPr>
-              <a:spcBef>
-                <a:spcPts val="600"/>
-              </a:spcBef>
-              <a:spcAft>
-                <a:spcPts val="600"/>
-              </a:spcAft>
-              <a:defRPr sz="1800"/>
-            </a:pPr>
-            <a:r>
-              <a:t>   • De-identification: Removed PHI (names, dates, MRNs, etc.)</a:t>
-            </a:r>
-          </a:p>
-          <a:p>
-            <a:pPr>
-              <a:spcBef>
-                <a:spcPts val="600"/>
-              </a:spcBef>
-              <a:spcAft>
-                <a:spcPts val="600"/>
-              </a:spcAft>
-              <a:defRPr sz="1800"/>
-            </a:pPr>
-            <a:r>
-              <a:t>   • Tokenization: Word-level segmentation</a:t>
-            </a:r>
-          </a:p>
-          <a:p>
-            <a:pPr>
-              <a:spcBef>
-                <a:spcPts val="600"/>
-              </a:spcBef>
-              <a:spcAft>
-                <a:spcPts val="600"/>
-              </a:spcAft>
-              <a:defRPr sz="1800"/>
-            </a:pPr>
-            <a:r>
-              <a:t>   • Stopword removal: English stopwords filtered</a:t>
-            </a:r>
-          </a:p>
-          <a:p>
-            <a:pPr>
-              <a:spcBef>
-                <a:spcPts val="600"/>
-              </a:spcBef>
-              <a:spcAft>
-                <a:spcPts val="600"/>
-              </a:spcAft>
-              <a:defRPr sz="1800"/>
-            </a:pPr>
-            <a:r>
-              <a:t>   • Artifact filtering: Masked tokens (_lgnum_, _decnum_, etc.)</a:t>
-            </a:r>
-          </a:p>
-          <a:p>
-            <a:pPr>
-              <a:spcBef>
-                <a:spcPts val="600"/>
-              </a:spcBef>
-              <a:spcAft>
-                <a:spcPts val="600"/>
-              </a:spcAft>
-              <a:defRPr sz="1800"/>
-            </a:pPr>
-          </a:p>
-          <a:p>
-            <a:pPr>
-              <a:spcBef>
-                <a:spcPts val="600"/>
-              </a:spcBef>
-              <a:spcAft>
-                <a:spcPts val="600"/>
-              </a:spcAft>
-              <a:defRPr sz="1800"/>
-            </a:pPr>
-            <a:r>
-              <a:t>Train-Test Split:</a:t>
-            </a:r>
-          </a:p>
-          <a:p>
-            <a:pPr>
-              <a:spcBef>
-                <a:spcPts val="600"/>
-              </a:spcBef>
-              <a:spcAft>
-                <a:spcPts val="600"/>
-              </a:spcAft>
-              <a:defRPr sz="1800"/>
-            </a:pPr>
-            <a:r>
-              <a:t>   • Minimal training set: 10 samples (model pre-trained)</a:t>
-            </a:r>
-          </a:p>
-          <a:p>
-            <a:pPr>
-              <a:spcBef>
-                <a:spcPts val="600"/>
-              </a:spcBef>
-              <a:spcAft>
-                <a:spcPts val="600"/>
-              </a:spcAft>
-              <a:defRPr sz="1800"/>
-            </a:pPr>
-            <a:r>
-              <a:t>   • Full evaluation set: 1,460 samples</a:t>
-            </a:r>
-          </a:p>
-          <a:p>
-            <a:pPr>
-              <a:spcBef>
-                <a:spcPts val="600"/>
-              </a:spcBef>
-              <a:spcAft>
-                <a:spcPts val="600"/>
-              </a:spcAft>
-              <a:defRPr sz="1800"/>
-            </a:pPr>
-            <a:r>
-              <a:t>   • Stratified by ADRD status to preserve class balance</a:t>
+              <a:t>Enhanced Dataset from Knox &amp; Obeid Study:</a:t>
+            </a:r>
+          </a:p>
+          <a:p>
+            <a:pPr>
+              <a:spcBef>
+                <a:spcPts val="600"/>
+              </a:spcBef>
+              <a:spcAft>
+                <a:spcPts val="600"/>
+              </a:spcAft>
+              <a:defRPr sz="1800"/>
+            </a:pPr>
+            <a:r>
+              <a:t>   • Original: MUSC EHR clinical notes (pre-trained models)</a:t>
+            </a:r>
+          </a:p>
+          <a:p>
+            <a:pPr>
+              <a:spcBef>
+                <a:spcPts val="600"/>
+              </a:spcBef>
+              <a:spcAft>
+                <a:spcPts val="600"/>
+              </a:spcAft>
+              <a:defRPr sz="1800"/>
+            </a:pPr>
+            <a:r>
+              <a:t>   • Enhancement: Added Social Determinants of Health (SDoH) data</a:t>
+            </a:r>
+          </a:p>
+          <a:p>
+            <a:pPr>
+              <a:spcBef>
+                <a:spcPts val="600"/>
+              </a:spcBef>
+              <a:spcAft>
+                <a:spcPts val="600"/>
+              </a:spcAft>
+              <a:defRPr sz="1800"/>
+            </a:pPr>
+            <a:r>
+              <a:t>   • Source: MUSC Research Data Warehouse</a:t>
+            </a:r>
+          </a:p>
+          <a:p>
+            <a:pPr>
+              <a:spcBef>
+                <a:spcPts val="600"/>
+              </a:spcBef>
+              <a:spcAft>
+                <a:spcPts val="600"/>
+              </a:spcAft>
+              <a:defRPr sz="1800"/>
+            </a:pPr>
+          </a:p>
+          <a:p>
+            <a:pPr>
+              <a:spcBef>
+                <a:spcPts val="600"/>
+              </a:spcBef>
+              <a:spcAft>
+                <a:spcPts val="600"/>
+              </a:spcAft>
+              <a:defRPr sz="1800"/>
+            </a:pPr>
+            <a:r>
+              <a:t>Evaluation Cohort (N=1,460):</a:t>
+            </a:r>
+          </a:p>
+          <a:p>
+            <a:pPr>
+              <a:spcBef>
+                <a:spcPts val="600"/>
+              </a:spcBef>
+              <a:spcAft>
+                <a:spcPts val="600"/>
+              </a:spcAft>
+              <a:defRPr sz="1800"/>
+            </a:pPr>
+            <a:r>
+              <a:t>   • ADRD cases: 657 (45.0%)</a:t>
+            </a:r>
+          </a:p>
+          <a:p>
+            <a:pPr>
+              <a:spcBef>
+                <a:spcPts val="600"/>
+              </a:spcBef>
+              <a:spcAft>
+                <a:spcPts val="600"/>
+              </a:spcAft>
+              <a:defRPr sz="1800"/>
+            </a:pPr>
+            <a:r>
+              <a:t>   • Control cases: 803 (55.0%)</a:t>
+            </a:r>
+          </a:p>
+          <a:p>
+            <a:pPr>
+              <a:spcBef>
+                <a:spcPts val="600"/>
+              </a:spcBef>
+              <a:spcAft>
+                <a:spcPts val="600"/>
+              </a:spcAft>
+              <a:defRPr sz="1800"/>
+            </a:pPr>
+            <a:r>
+              <a:t>   • Comprehensive demographic information</a:t>
+            </a:r>
+          </a:p>
+          <a:p>
+            <a:pPr>
+              <a:spcBef>
+                <a:spcPts val="600"/>
+              </a:spcBef>
+              <a:spcAft>
+                <a:spcPts val="600"/>
+              </a:spcAft>
+              <a:defRPr sz="1800"/>
+            </a:pPr>
+            <a:r>
+              <a:t>   • De-identified clinical documentation</a:t>
             </a:r>
           </a:p>
         </p:txBody>
@@ -6347,7 +6590,7 @@
               </a:defRPr>
             </a:pPr>
             <a:r>
-              <a:t>Methodology: CNN Model Architecture</a:t>
+              <a:t>Methodology: Pre-trained CNN Model</a:t>
             </a:r>
           </a:p>
         </p:txBody>
@@ -6378,169 +6621,130 @@
               <a:defRPr sz="1800"/>
             </a:pPr>
             <a:r>
-              <a:t>Convolutional Neural Network (CNN) for text classification</a:t>
-            </a:r>
-          </a:p>
-          <a:p>
-            <a:pPr>
-              <a:spcBef>
-                <a:spcPts val="600"/>
-              </a:spcBef>
-              <a:spcAft>
-                <a:spcPts val="600"/>
-              </a:spcAft>
-              <a:defRPr sz="1800"/>
-            </a:pPr>
-          </a:p>
-          <a:p>
-            <a:pPr>
-              <a:spcBef>
-                <a:spcPts val="600"/>
-              </a:spcBef>
-              <a:spcAft>
-                <a:spcPts val="600"/>
-              </a:spcAft>
-              <a:defRPr sz="1800"/>
-            </a:pPr>
-            <a:r>
-              <a:t>Architecture:</a:t>
-            </a:r>
-          </a:p>
-          <a:p>
-            <a:pPr>
-              <a:spcBef>
-                <a:spcPts val="600"/>
-              </a:spcBef>
-              <a:spcAft>
-                <a:spcPts val="600"/>
-              </a:spcAft>
-              <a:defRPr sz="1800"/>
-            </a:pPr>
-            <a:r>
-              <a:t>   • Embedding Layer: 300-dimensional word embeddings</a:t>
-            </a:r>
-          </a:p>
-          <a:p>
-            <a:pPr>
-              <a:spcBef>
-                <a:spcPts val="600"/>
-              </a:spcBef>
-              <a:spcAft>
-                <a:spcPts val="600"/>
-              </a:spcAft>
-              <a:defRPr sz="1800"/>
-            </a:pPr>
-            <a:r>
-              <a:t>   • Conv1D Layers: Multiple filter sizes (3, 4, 5)</a:t>
-            </a:r>
-          </a:p>
-          <a:p>
-            <a:pPr>
-              <a:spcBef>
-                <a:spcPts val="600"/>
-              </a:spcBef>
-              <a:spcAft>
-                <a:spcPts val="600"/>
-              </a:spcAft>
-              <a:defRPr sz="1800"/>
-            </a:pPr>
-            <a:r>
-              <a:t>   • Max Pooling: Captures most important features</a:t>
-            </a:r>
-          </a:p>
-          <a:p>
-            <a:pPr>
-              <a:spcBef>
-                <a:spcPts val="600"/>
-              </a:spcBef>
-              <a:spcAft>
-                <a:spcPts val="600"/>
-              </a:spcAft>
-              <a:defRPr sz="1800"/>
-            </a:pPr>
-            <a:r>
-              <a:t>   • Dense Layers: Fully connected with dropout (0.5)</a:t>
-            </a:r>
-          </a:p>
-          <a:p>
-            <a:pPr>
-              <a:spcBef>
-                <a:spcPts val="600"/>
-              </a:spcBef>
-              <a:spcAft>
-                <a:spcPts val="600"/>
-              </a:spcAft>
-              <a:defRPr sz="1800"/>
-            </a:pPr>
-            <a:r>
-              <a:t>   • Output: Binary classification (ADRD vs. Control)</a:t>
-            </a:r>
-          </a:p>
-          <a:p>
-            <a:pPr>
-              <a:spcBef>
-                <a:spcPts val="600"/>
-              </a:spcBef>
-              <a:spcAft>
-                <a:spcPts val="600"/>
-              </a:spcAft>
-              <a:defRPr sz="1800"/>
-            </a:pPr>
-          </a:p>
-          <a:p>
-            <a:pPr>
-              <a:spcBef>
-                <a:spcPts val="600"/>
-              </a:spcBef>
-              <a:spcAft>
-                <a:spcPts val="600"/>
-              </a:spcAft>
-              <a:defRPr sz="1800"/>
-            </a:pPr>
-            <a:r>
-              <a:t>Training:</a:t>
-            </a:r>
-          </a:p>
-          <a:p>
-            <a:pPr>
-              <a:spcBef>
-                <a:spcPts val="600"/>
-              </a:spcBef>
-              <a:spcAft>
-                <a:spcPts val="600"/>
-              </a:spcAft>
-              <a:defRPr sz="1800"/>
-            </a:pPr>
-            <a:r>
-              <a:t>   • Optimizer: Adam with learning rate scheduling</a:t>
-            </a:r>
-          </a:p>
-          <a:p>
-            <a:pPr>
-              <a:spcBef>
-                <a:spcPts val="600"/>
-              </a:spcBef>
-              <a:spcAft>
-                <a:spcPts val="600"/>
-              </a:spcAft>
-              <a:defRPr sz="1800"/>
-            </a:pPr>
-            <a:r>
-              <a:t>   • Loss: Binary cross-entropy</a:t>
-            </a:r>
-          </a:p>
-          <a:p>
-            <a:pPr>
-              <a:spcBef>
-                <a:spcPts val="600"/>
-              </a:spcBef>
-              <a:spcAft>
-                <a:spcPts val="600"/>
-              </a:spcAft>
-              <a:defRPr sz="1800"/>
-            </a:pPr>
-            <a:r>
-              <a:t>   • Epochs: 10 cycles with early stopping</a:t>
+              <a:t>Knox &amp; Obeid's CNN Model (Previously Trained):</a:t>
+            </a:r>
+          </a:p>
+          <a:p>
+            <a:pPr>
+              <a:spcBef>
+                <a:spcPts val="600"/>
+              </a:spcBef>
+              <a:spcAft>
+                <a:spcPts val="600"/>
+              </a:spcAft>
+              <a:defRPr sz="1800"/>
+            </a:pPr>
+            <a:r>
+              <a:t>   • Trained on MUSC clinical notes</a:t>
+            </a:r>
+          </a:p>
+          <a:p>
+            <a:pPr>
+              <a:spcBef>
+                <a:spcPts val="600"/>
+              </a:spcBef>
+              <a:spcAft>
+                <a:spcPts val="600"/>
+              </a:spcAft>
+              <a:defRPr sz="1800"/>
+            </a:pPr>
+            <a:r>
+              <a:t>   • Convolutional Neural Network for text classification</a:t>
+            </a:r>
+          </a:p>
+          <a:p>
+            <a:pPr>
+              <a:spcBef>
+                <a:spcPts val="600"/>
+              </a:spcBef>
+              <a:spcAft>
+                <a:spcPts val="600"/>
+              </a:spcAft>
+              <a:defRPr sz="1800"/>
+            </a:pPr>
+            <a:r>
+              <a:t>   • Binary output: ADRD vs. Control</a:t>
+            </a:r>
+          </a:p>
+          <a:p>
+            <a:pPr>
+              <a:spcBef>
+                <a:spcPts val="600"/>
+              </a:spcBef>
+              <a:spcAft>
+                <a:spcPts val="600"/>
+              </a:spcAft>
+              <a:defRPr sz="1800"/>
+            </a:pPr>
+          </a:p>
+          <a:p>
+            <a:pPr>
+              <a:spcBef>
+                <a:spcPts val="600"/>
+              </a:spcBef>
+              <a:spcAft>
+                <a:spcPts val="600"/>
+              </a:spcAft>
+              <a:defRPr sz="1800"/>
+            </a:pPr>
+            <a:r>
+              <a:t>Our Evaluation Approach:</a:t>
+            </a:r>
+          </a:p>
+          <a:p>
+            <a:pPr>
+              <a:spcBef>
+                <a:spcPts val="600"/>
+              </a:spcBef>
+              <a:spcAft>
+                <a:spcPts val="600"/>
+              </a:spcAft>
+              <a:defRPr sz="1800"/>
+            </a:pPr>
+            <a:r>
+              <a:t>   • Applied pre-trained model to evaluation dataset</a:t>
+            </a:r>
+          </a:p>
+          <a:p>
+            <a:pPr>
+              <a:spcBef>
+                <a:spcPts val="600"/>
+              </a:spcBef>
+              <a:spcAft>
+                <a:spcPts val="600"/>
+              </a:spcAft>
+              <a:defRPr sz="1800"/>
+            </a:pPr>
+            <a:r>
+              <a:t>   • Generated predictions for 1,460 patients</a:t>
+            </a:r>
+          </a:p>
+          <a:p>
+            <a:pPr>
+              <a:spcBef>
+                <a:spcPts val="600"/>
+              </a:spcBef>
+              <a:spcAft>
+                <a:spcPts val="600"/>
+              </a:spcAft>
+              <a:defRPr sz="1800"/>
+            </a:pPr>
+            <a:r>
+              <a:t>   • 10 model cycles evaluated for stability</a:t>
+            </a:r>
+          </a:p>
+          <a:p>
+            <a:pPr>
+              <a:spcBef>
+                <a:spcPts val="600"/>
+              </a:spcBef>
+              <a:spcAft>
+                <a:spcPts val="600"/>
+              </a:spcAft>
+              <a:defRPr sz="1800"/>
+            </a:pPr>
+            <a:r>
+              <a:t>   • Selected best performing cycle (Cycle 9) based on median AUC</a:t>
             </a:r>
           </a:p>
         </p:txBody>
@@ -6586,7 +6790,7 @@
               </a:defRPr>
             </a:pPr>
             <a:r>
-              <a:t>Methodology: Fairness Analysis</a:t>
+              <a:t>Methodology: Fairness Evaluation (Aim 1)</a:t>
             </a:r>
           </a:p>
         </p:txBody>
@@ -6658,128 +6862,142 @@
               </a:spcAft>
               <a:defRPr sz="1800"/>
             </a:pPr>
-          </a:p>
-          <a:p>
-            <a:pPr>
-              <a:spcBef>
-                <a:spcPts val="600"/>
-              </a:spcBef>
-              <a:spcAft>
-                <a:spcPts val="600"/>
-              </a:spcAft>
-              <a:defRPr sz="1800"/>
-            </a:pPr>
-            <a:r>
-              <a:t>Fairness Metrics:</a:t>
-            </a:r>
-          </a:p>
-          <a:p>
-            <a:pPr>
-              <a:spcBef>
-                <a:spcPts val="600"/>
-              </a:spcBef>
-              <a:spcAft>
-                <a:spcPts val="600"/>
-              </a:spcAft>
-              <a:defRPr sz="1800"/>
-            </a:pPr>
-            <a:r>
-              <a:t>   • AUC variability across subgroups (threshold: ±0.05)</a:t>
-            </a:r>
-          </a:p>
-          <a:p>
-            <a:pPr>
-              <a:spcBef>
-                <a:spcPts val="600"/>
-              </a:spcBef>
-              <a:spcAft>
-                <a:spcPts val="600"/>
-              </a:spcAft>
-              <a:defRPr sz="1800"/>
-            </a:pPr>
-            <a:r>
-              <a:t>   • Sensitivity/specificity differences</a:t>
-            </a:r>
-          </a:p>
-          <a:p>
-            <a:pPr>
-              <a:spcBef>
-                <a:spcPts val="600"/>
-              </a:spcBef>
-              <a:spcAft>
-                <a:spcPts val="600"/>
-              </a:spcAft>
-              <a:defRPr sz="1800"/>
-            </a:pPr>
-            <a:r>
-              <a:t>   • Statistical significance testing (approximate randomization)</a:t>
-            </a:r>
-          </a:p>
-          <a:p>
-            <a:pPr>
-              <a:spcBef>
-                <a:spcPts val="600"/>
-              </a:spcBef>
-              <a:spcAft>
-                <a:spcPts val="600"/>
-              </a:spcAft>
-              <a:defRPr sz="1800"/>
-            </a:pPr>
-          </a:p>
-          <a:p>
-            <a:pPr>
-              <a:spcBef>
-                <a:spcPts val="600"/>
-              </a:spcBef>
-              <a:spcAft>
-                <a:spcPts val="600"/>
-              </a:spcAft>
-              <a:defRPr sz="1800"/>
-            </a:pPr>
-            <a:r>
-              <a:t>Feature Analysis:</a:t>
-            </a:r>
-          </a:p>
-          <a:p>
-            <a:pPr>
-              <a:spcBef>
-                <a:spcPts val="600"/>
-              </a:spcBef>
-              <a:spcAft>
-                <a:spcPts val="600"/>
-              </a:spcAft>
-              <a:defRPr sz="1800"/>
-            </a:pPr>
-            <a:r>
-              <a:t>   • Chi-squared (χ²) test for discriminative terms</a:t>
-            </a:r>
-          </a:p>
-          <a:p>
-            <a:pPr>
-              <a:spcBef>
-                <a:spcPts val="600"/>
-              </a:spcBef>
-              <a:spcAft>
-                <a:spcPts val="600"/>
-              </a:spcAft>
-              <a:defRPr sz="1800"/>
-            </a:pPr>
-            <a:r>
-              <a:t>   • TF-IDF weighting for feature importance</a:t>
-            </a:r>
-          </a:p>
-          <a:p>
-            <a:pPr>
-              <a:spcBef>
-                <a:spcPts val="600"/>
-              </a:spcBef>
-              <a:spcAft>
-                <a:spcPts val="600"/>
-              </a:spcAft>
-              <a:defRPr sz="1800"/>
-            </a:pPr>
-            <a:r>
-              <a:t>   • Demographic-stratified feature patterns</a:t>
+            <a:r>
+              <a:t>   • Minimum sample size requirements enforced (N≥10)</a:t>
+            </a:r>
+          </a:p>
+          <a:p>
+            <a:pPr>
+              <a:spcBef>
+                <a:spcPts val="600"/>
+              </a:spcBef>
+              <a:spcAft>
+                <a:spcPts val="600"/>
+              </a:spcAft>
+              <a:defRPr sz="1800"/>
+            </a:pPr>
+          </a:p>
+          <a:p>
+            <a:pPr>
+              <a:spcBef>
+                <a:spcPts val="600"/>
+              </a:spcBef>
+              <a:spcAft>
+                <a:spcPts val="600"/>
+              </a:spcAft>
+              <a:defRPr sz="1800"/>
+            </a:pPr>
+            <a:r>
+              <a:t>Statistical Testing - Approximate Randomization:</a:t>
+            </a:r>
+          </a:p>
+          <a:p>
+            <a:pPr>
+              <a:spcBef>
+                <a:spcPts val="600"/>
+              </a:spcBef>
+              <a:spcAft>
+                <a:spcPts val="600"/>
+              </a:spcAft>
+              <a:defRPr sz="1800"/>
+            </a:pPr>
+            <a:r>
+              <a:t>   • Permutation-based significance testing</a:t>
+            </a:r>
+          </a:p>
+          <a:p>
+            <a:pPr>
+              <a:spcBef>
+                <a:spcPts val="600"/>
+              </a:spcBef>
+              <a:spcAft>
+                <a:spcPts val="600"/>
+              </a:spcAft>
+              <a:defRPr sz="1800"/>
+            </a:pPr>
+            <a:r>
+              <a:t>   • 1,000 iterations for null distribution</a:t>
+            </a:r>
+          </a:p>
+          <a:p>
+            <a:pPr>
+              <a:spcBef>
+                <a:spcPts val="600"/>
+              </a:spcBef>
+              <a:spcAft>
+                <a:spcPts val="600"/>
+              </a:spcAft>
+              <a:defRPr sz="1800"/>
+            </a:pPr>
+            <a:r>
+              <a:t>   • Tests for AUC, sensitivity, specificity differences</a:t>
+            </a:r>
+          </a:p>
+          <a:p>
+            <a:pPr>
+              <a:spcBef>
+                <a:spcPts val="600"/>
+              </a:spcBef>
+              <a:spcAft>
+                <a:spcPts val="600"/>
+              </a:spcAft>
+              <a:defRPr sz="1800"/>
+            </a:pPr>
+            <a:r>
+              <a:t>   • Significance threshold: α=0.05</a:t>
+            </a:r>
+          </a:p>
+          <a:p>
+            <a:pPr>
+              <a:spcBef>
+                <a:spcPts val="600"/>
+              </a:spcBef>
+              <a:spcAft>
+                <a:spcPts val="600"/>
+              </a:spcAft>
+              <a:defRPr sz="1800"/>
+            </a:pPr>
+          </a:p>
+          <a:p>
+            <a:pPr>
+              <a:spcBef>
+                <a:spcPts val="600"/>
+              </a:spcBef>
+              <a:spcAft>
+                <a:spcPts val="600"/>
+              </a:spcAft>
+              <a:defRPr sz="1800"/>
+            </a:pPr>
+            <a:r>
+              <a:t>Fairness Criteria:</a:t>
+            </a:r>
+          </a:p>
+          <a:p>
+            <a:pPr>
+              <a:spcBef>
+                <a:spcPts val="600"/>
+              </a:spcBef>
+              <a:spcAft>
+                <a:spcPts val="600"/>
+              </a:spcAft>
+              <a:defRPr sz="1800"/>
+            </a:pPr>
+            <a:r>
+              <a:t>   • AUC parity: Variability within ±0.05 threshold</a:t>
+            </a:r>
+          </a:p>
+          <a:p>
+            <a:pPr>
+              <a:spcBef>
+                <a:spcPts val="600"/>
+              </a:spcBef>
+              <a:spcAft>
+                <a:spcPts val="600"/>
+              </a:spcAft>
+              <a:defRPr sz="1800"/>
+            </a:pPr>
+            <a:r>
+              <a:t>   • Equalized odds: Similar sensitivity/specificity across groups</a:t>
             </a:r>
           </a:p>
         </p:txBody>
@@ -6825,7 +7043,7 @@
               </a:defRPr>
             </a:pPr>
             <a:r>
-              <a:t>Results: Overall Model Performance</a:t>
+              <a:t>Methodology: Feature Analysis (Aim 2)</a:t>
             </a:r>
           </a:p>
         </p:txBody>
@@ -6856,155 +7074,183 @@
               <a:defRPr sz="1800"/>
             </a:pPr>
             <a:r>
-              <a:t>Best Model (Cycle 9) on Full Dataset (N=1,460):</a:t>
-            </a:r>
-          </a:p>
-          <a:p>
-            <a:pPr>
-              <a:spcBef>
-                <a:spcPts val="600"/>
-              </a:spcBef>
-              <a:spcAft>
-                <a:spcPts val="600"/>
-              </a:spcAft>
-              <a:defRPr sz="1800"/>
-            </a:pPr>
-          </a:p>
-          <a:p>
-            <a:pPr>
-              <a:spcBef>
-                <a:spcPts val="600"/>
-              </a:spcBef>
-              <a:spcAft>
-                <a:spcPts val="600"/>
-              </a:spcAft>
-              <a:defRPr sz="1800"/>
-            </a:pPr>
-            <a:r>
-              <a:t>✓ AUC: 0.987 (95% CI: 0.982-0.992)</a:t>
-            </a:r>
-          </a:p>
-          <a:p>
-            <a:pPr>
-              <a:spcBef>
-                <a:spcPts val="600"/>
-              </a:spcBef>
-              <a:spcAft>
-                <a:spcPts val="600"/>
-              </a:spcAft>
-              <a:defRPr sz="1800"/>
-            </a:pPr>
-            <a:r>
-              <a:t>✓ Accuracy: 94.3%</a:t>
-            </a:r>
-          </a:p>
-          <a:p>
-            <a:pPr>
-              <a:spcBef>
-                <a:spcPts val="600"/>
-              </a:spcBef>
-              <a:spcAft>
-                <a:spcPts val="600"/>
-              </a:spcAft>
-              <a:defRPr sz="1800"/>
-            </a:pPr>
-            <a:r>
-              <a:t>✓ Sensitivity: 97.3%</a:t>
-            </a:r>
-          </a:p>
-          <a:p>
-            <a:pPr>
-              <a:spcBef>
-                <a:spcPts val="600"/>
-              </a:spcBef>
-              <a:spcAft>
-                <a:spcPts val="600"/>
-              </a:spcAft>
-              <a:defRPr sz="1800"/>
-            </a:pPr>
-            <a:r>
-              <a:t>✓ Specificity: 91.8%</a:t>
-            </a:r>
-          </a:p>
-          <a:p>
-            <a:pPr>
-              <a:spcBef>
-                <a:spcPts val="600"/>
-              </a:spcBef>
-              <a:spcAft>
-                <a:spcPts val="600"/>
-              </a:spcAft>
-              <a:defRPr sz="1800"/>
-            </a:pPr>
-            <a:r>
-              <a:t>✓ Precision (PPV): 90.6%</a:t>
-            </a:r>
-          </a:p>
-          <a:p>
-            <a:pPr>
-              <a:spcBef>
-                <a:spcPts val="600"/>
-              </a:spcBef>
-              <a:spcAft>
-                <a:spcPts val="600"/>
-              </a:spcAft>
-              <a:defRPr sz="1800"/>
-            </a:pPr>
-            <a:r>
-              <a:t>✓ NPV: 97.6%</a:t>
-            </a:r>
-          </a:p>
-          <a:p>
-            <a:pPr>
-              <a:spcBef>
-                <a:spcPts val="600"/>
-              </a:spcBef>
-              <a:spcAft>
-                <a:spcPts val="600"/>
-              </a:spcAft>
-              <a:defRPr sz="1800"/>
-            </a:pPr>
-            <a:r>
-              <a:t>✓ F1 Score: 0.938</a:t>
-            </a:r>
-          </a:p>
-          <a:p>
-            <a:pPr>
-              <a:spcBef>
-                <a:spcPts val="600"/>
-              </a:spcBef>
-              <a:spcAft>
-                <a:spcPts val="600"/>
-              </a:spcAft>
-              <a:defRPr sz="1800"/>
-            </a:pPr>
-          </a:p>
-          <a:p>
-            <a:pPr>
-              <a:spcBef>
-                <a:spcPts val="600"/>
-              </a:spcBef>
-              <a:spcAft>
-                <a:spcPts val="600"/>
-              </a:spcAft>
-              <a:defRPr sz="1800"/>
-            </a:pPr>
-            <a:r>
-              <a:t>Confusion Matrix: 18 false negatives, 66 false positives</a:t>
-            </a:r>
-          </a:p>
-          <a:p>
-            <a:pPr>
-              <a:spcBef>
-                <a:spcPts val="600"/>
-              </a:spcBef>
-              <a:spcAft>
-                <a:spcPts val="600"/>
-              </a:spcAft>
-              <a:defRPr sz="1800"/>
-            </a:pPr>
-            <a:r>
-              <a:t>Calibration: Brier Score=0.044, Log Loss=0.163 (excellent)</a:t>
+              <a:t>Behavioral Testing Approach:</a:t>
+            </a:r>
+          </a:p>
+          <a:p>
+            <a:pPr>
+              <a:spcBef>
+                <a:spcPts val="600"/>
+              </a:spcBef>
+              <a:spcAft>
+                <a:spcPts val="600"/>
+              </a:spcAft>
+              <a:defRPr sz="1800"/>
+            </a:pPr>
+            <a:r>
+              <a:t>   • Systematic term removal from clinical notes</a:t>
+            </a:r>
+          </a:p>
+          <a:p>
+            <a:pPr>
+              <a:spcBef>
+                <a:spcPts val="600"/>
+              </a:spcBef>
+              <a:spcAft>
+                <a:spcPts val="600"/>
+              </a:spcAft>
+              <a:defRPr sz="1800"/>
+            </a:pPr>
+            <a:r>
+              <a:t>   • Measure impact on model predictions</a:t>
+            </a:r>
+          </a:p>
+          <a:p>
+            <a:pPr>
+              <a:spcBef>
+                <a:spcPts val="600"/>
+              </a:spcBef>
+              <a:spcAft>
+                <a:spcPts val="600"/>
+              </a:spcAft>
+              <a:defRPr sz="1800"/>
+            </a:pPr>
+            <a:r>
+              <a:t>   • Identify critical features for ADRD classification</a:t>
+            </a:r>
+          </a:p>
+          <a:p>
+            <a:pPr>
+              <a:spcBef>
+                <a:spcPts val="600"/>
+              </a:spcBef>
+              <a:spcAft>
+                <a:spcPts val="600"/>
+              </a:spcAft>
+              <a:defRPr sz="1800"/>
+            </a:pPr>
+          </a:p>
+          <a:p>
+            <a:pPr>
+              <a:spcBef>
+                <a:spcPts val="600"/>
+              </a:spcBef>
+              <a:spcAft>
+                <a:spcPts val="600"/>
+              </a:spcAft>
+              <a:defRPr sz="1800"/>
+            </a:pPr>
+            <a:r>
+              <a:t>Statistical Feature Analysis:</a:t>
+            </a:r>
+          </a:p>
+          <a:p>
+            <a:pPr>
+              <a:spcBef>
+                <a:spcPts val="600"/>
+              </a:spcBef>
+              <a:spcAft>
+                <a:spcPts val="600"/>
+              </a:spcAft>
+              <a:defRPr sz="1800"/>
+            </a:pPr>
+            <a:r>
+              <a:t>   • Chi-squared (χ²) test for discriminative terms</a:t>
+            </a:r>
+          </a:p>
+          <a:p>
+            <a:pPr>
+              <a:spcBef>
+                <a:spcPts val="600"/>
+              </a:spcBef>
+              <a:spcAft>
+                <a:spcPts val="600"/>
+              </a:spcAft>
+              <a:defRPr sz="1800"/>
+            </a:pPr>
+            <a:r>
+              <a:t>   • FDR correction for multiple testing (Benjamini-Hochberg)</a:t>
+            </a:r>
+          </a:p>
+          <a:p>
+            <a:pPr>
+              <a:spcBef>
+                <a:spcPts val="600"/>
+              </a:spcBef>
+              <a:spcAft>
+                <a:spcPts val="600"/>
+              </a:spcAft>
+              <a:defRPr sz="1800"/>
+            </a:pPr>
+            <a:r>
+              <a:t>   • TF-IDF weighting for feature importance</a:t>
+            </a:r>
+          </a:p>
+          <a:p>
+            <a:pPr>
+              <a:spcBef>
+                <a:spcPts val="600"/>
+              </a:spcBef>
+              <a:spcAft>
+                <a:spcPts val="600"/>
+              </a:spcAft>
+              <a:defRPr sz="1800"/>
+            </a:pPr>
+          </a:p>
+          <a:p>
+            <a:pPr>
+              <a:spcBef>
+                <a:spcPts val="600"/>
+              </a:spcBef>
+              <a:spcAft>
+                <a:spcPts val="600"/>
+              </a:spcAft>
+              <a:defRPr sz="1800"/>
+            </a:pPr>
+            <a:r>
+              <a:t>Demographic-Stratified Analysis:</a:t>
+            </a:r>
+          </a:p>
+          <a:p>
+            <a:pPr>
+              <a:spcBef>
+                <a:spcPts val="600"/>
+              </a:spcBef>
+              <a:spcAft>
+                <a:spcPts val="600"/>
+              </a:spcAft>
+              <a:defRPr sz="1800"/>
+            </a:pPr>
+            <a:r>
+              <a:t>   • Feature patterns across gender, race, ethnicity</a:t>
+            </a:r>
+          </a:p>
+          <a:p>
+            <a:pPr>
+              <a:spcBef>
+                <a:spcPts val="600"/>
+              </a:spcBef>
+              <a:spcAft>
+                <a:spcPts val="600"/>
+              </a:spcAft>
+              <a:defRPr sz="1800"/>
+            </a:pPr>
+            <a:r>
+              <a:t>   • Identify cohort-specific terminology differences</a:t>
+            </a:r>
+          </a:p>
+          <a:p>
+            <a:pPr>
+              <a:spcBef>
+                <a:spcPts val="600"/>
+              </a:spcBef>
+              <a:spcAft>
+                <a:spcPts val="600"/>
+              </a:spcAft>
+              <a:defRPr sz="1800"/>
+            </a:pPr>
+            <a:r>
+              <a:t>   • Assess feature consistency vs. variation</a:t>
             </a:r>
           </a:p>
         </p:txBody>
@@ -7029,27 +7275,20 @@
       <p:grpSpPr/>
       <p:sp>
         <p:nvSpPr>
-          <p:cNvPr id="2" name="TextBox 1"/>
-          <p:cNvSpPr txBox="1"/>
-          <p:nvPr/>
-        </p:nvSpPr>
-        <p:spPr>
-          <a:xfrm>
-            <a:off x="457200" y="274320"/>
-            <a:ext cx="8229600" cy="731520"/>
-          </a:xfrm>
-          <a:prstGeom prst="rect">
-            <a:avLst/>
-          </a:prstGeom>
-          <a:noFill/>
-        </p:spPr>
-        <p:txBody>
-          <a:bodyPr wrap="none">
-            <a:spAutoFit/>
-          </a:bodyPr>
-          <a:lstStyle/>
-          <a:p>
-            <a:pPr algn="ctr">
+          <p:cNvPr id="2" name="Title 1"/>
+          <p:cNvSpPr>
+            <a:spLocks noGrp="1"/>
+          </p:cNvSpPr>
+          <p:nvPr>
+            <p:ph type="title"/>
+          </p:nvPr>
+        </p:nvSpPr>
+        <p:spPr/>
+        <p:txBody>
+          <a:bodyPr/>
+          <a:lstStyle/>
+          <a:p>
+            <a:pPr>
               <a:defRPr sz="3200" b="1">
                 <a:solidFill>
                   <a:srgbClr val="003366"/>
@@ -7057,62 +7296,186 @@
               </a:defRPr>
             </a:pPr>
             <a:r>
-              <a:t>Results: Receiver Operating Characteristic (ROC) Curve</a:t>
-            </a:r>
-          </a:p>
-        </p:txBody>
-      </p:sp>
-      <p:pic>
-        <p:nvPicPr>
-          <p:cNvPr id="3" name="Picture 2" descr="AUC_CNNr.png"/>
-          <p:cNvPicPr>
-            <a:picLocks noChangeAspect="1"/>
-          </p:cNvPicPr>
-          <p:nvPr/>
-        </p:nvPicPr>
-        <p:blipFill>
-          <a:blip r:embed="rId2"/>
-          <a:stretch>
-            <a:fillRect/>
-          </a:stretch>
-        </p:blipFill>
-        <p:spPr>
-          <a:xfrm>
-            <a:off x="1371600" y="1371600"/>
-            <a:ext cx="6400800" cy="6400800"/>
-          </a:xfrm>
-          <a:prstGeom prst="rect">
-            <a:avLst/>
-          </a:prstGeom>
-        </p:spPr>
-      </p:pic>
-      <p:sp>
-        <p:nvSpPr>
-          <p:cNvPr id="4" name="TextBox 3"/>
-          <p:cNvSpPr txBox="1"/>
-          <p:nvPr/>
-        </p:nvSpPr>
-        <p:spPr>
-          <a:xfrm>
-            <a:off x="457200" y="5943600"/>
-            <a:ext cx="8229600" cy="731520"/>
-          </a:xfrm>
-          <a:prstGeom prst="rect">
-            <a:avLst/>
-          </a:prstGeom>
-          <a:noFill/>
-        </p:spPr>
-        <p:txBody>
-          <a:bodyPr wrap="none">
-            <a:spAutoFit/>
-          </a:bodyPr>
-          <a:lstStyle/>
-          <a:p>
-            <a:pPr algn="ctr">
-              <a:defRPr sz="1400" i="1"/>
-            </a:pPr>
-            <a:r>
-              <a:t>Figure 1: ROC curves across 10 model cycles showing consistently high AUC (&gt;0.985)</a:t>
+              <a:t>Results: Overall Model Performance</a:t>
+            </a:r>
+          </a:p>
+        </p:txBody>
+      </p:sp>
+      <p:sp>
+        <p:nvSpPr>
+          <p:cNvPr id="3" name="Content Placeholder 2"/>
+          <p:cNvSpPr>
+            <a:spLocks noGrp="1"/>
+          </p:cNvSpPr>
+          <p:nvPr>
+            <p:ph idx="1"/>
+          </p:nvPr>
+        </p:nvSpPr>
+        <p:spPr/>
+        <p:txBody>
+          <a:bodyPr/>
+          <a:lstStyle/>
+          <a:p/>
+          <a:p>
+            <a:pPr>
+              <a:spcBef>
+                <a:spcPts val="600"/>
+              </a:spcBef>
+              <a:spcAft>
+                <a:spcPts val="600"/>
+              </a:spcAft>
+              <a:defRPr sz="1800"/>
+            </a:pPr>
+            <a:r>
+              <a:t>Best Model (Cycle 9) on Full Dataset (N=1,460):</a:t>
+            </a:r>
+          </a:p>
+          <a:p>
+            <a:pPr>
+              <a:spcBef>
+                <a:spcPts val="600"/>
+              </a:spcBef>
+              <a:spcAft>
+                <a:spcPts val="600"/>
+              </a:spcAft>
+              <a:defRPr sz="1800"/>
+            </a:pPr>
+          </a:p>
+          <a:p>
+            <a:pPr>
+              <a:spcBef>
+                <a:spcPts val="600"/>
+              </a:spcBef>
+              <a:spcAft>
+                <a:spcPts val="600"/>
+              </a:spcAft>
+              <a:defRPr sz="1800"/>
+            </a:pPr>
+            <a:r>
+              <a:t>✓ AUC: 0.987 (95% CI: 0.982-0.992)</a:t>
+            </a:r>
+          </a:p>
+          <a:p>
+            <a:pPr>
+              <a:spcBef>
+                <a:spcPts val="600"/>
+              </a:spcBef>
+              <a:spcAft>
+                <a:spcPts val="600"/>
+              </a:spcAft>
+              <a:defRPr sz="1800"/>
+            </a:pPr>
+            <a:r>
+              <a:t>✓ Accuracy: 94.3%</a:t>
+            </a:r>
+          </a:p>
+          <a:p>
+            <a:pPr>
+              <a:spcBef>
+                <a:spcPts val="600"/>
+              </a:spcBef>
+              <a:spcAft>
+                <a:spcPts val="600"/>
+              </a:spcAft>
+              <a:defRPr sz="1800"/>
+            </a:pPr>
+            <a:r>
+              <a:t>✓ Sensitivity: 97.3%</a:t>
+            </a:r>
+          </a:p>
+          <a:p>
+            <a:pPr>
+              <a:spcBef>
+                <a:spcPts val="600"/>
+              </a:spcBef>
+              <a:spcAft>
+                <a:spcPts val="600"/>
+              </a:spcAft>
+              <a:defRPr sz="1800"/>
+            </a:pPr>
+            <a:r>
+              <a:t>✓ Specificity: 91.8%</a:t>
+            </a:r>
+          </a:p>
+          <a:p>
+            <a:pPr>
+              <a:spcBef>
+                <a:spcPts val="600"/>
+              </a:spcBef>
+              <a:spcAft>
+                <a:spcPts val="600"/>
+              </a:spcAft>
+              <a:defRPr sz="1800"/>
+            </a:pPr>
+            <a:r>
+              <a:t>✓ Precision (PPV): 90.6%</a:t>
+            </a:r>
+          </a:p>
+          <a:p>
+            <a:pPr>
+              <a:spcBef>
+                <a:spcPts val="600"/>
+              </a:spcBef>
+              <a:spcAft>
+                <a:spcPts val="600"/>
+              </a:spcAft>
+              <a:defRPr sz="1800"/>
+            </a:pPr>
+            <a:r>
+              <a:t>✓ NPV: 97.6%</a:t>
+            </a:r>
+          </a:p>
+          <a:p>
+            <a:pPr>
+              <a:spcBef>
+                <a:spcPts val="600"/>
+              </a:spcBef>
+              <a:spcAft>
+                <a:spcPts val="600"/>
+              </a:spcAft>
+              <a:defRPr sz="1800"/>
+            </a:pPr>
+            <a:r>
+              <a:t>✓ F1 Score: 0.938</a:t>
+            </a:r>
+          </a:p>
+          <a:p>
+            <a:pPr>
+              <a:spcBef>
+                <a:spcPts val="600"/>
+              </a:spcBef>
+              <a:spcAft>
+                <a:spcPts val="600"/>
+              </a:spcAft>
+              <a:defRPr sz="1800"/>
+            </a:pPr>
+          </a:p>
+          <a:p>
+            <a:pPr>
+              <a:spcBef>
+                <a:spcPts val="600"/>
+              </a:spcBef>
+              <a:spcAft>
+                <a:spcPts val="600"/>
+              </a:spcAft>
+              <a:defRPr sz="1800"/>
+            </a:pPr>
+            <a:r>
+              <a:t>Confusion Matrix: 18 false negatives, 66 false positives</a:t>
+            </a:r>
+          </a:p>
+          <a:p>
+            <a:pPr>
+              <a:spcBef>
+                <a:spcPts val="600"/>
+              </a:spcBef>
+              <a:spcAft>
+                <a:spcPts val="600"/>
+              </a:spcAft>
+              <a:defRPr sz="1800"/>
+            </a:pPr>
+            <a:r>
+              <a:t>Calibration: Brier Score=0.044, Log Loss=0.163 (excellent)</a:t>
             </a:r>
           </a:p>
         </p:txBody>
